--- a/Slides/04：語言模型的演進/14：大型語言模型的進化.pptx
+++ b/Slides/04：語言模型的演進/14：大型語言模型的進化.pptx
@@ -562,7 +562,7 @@
           <a:p>
             <a:fld id="{4C5D3C8C-E7F7-4283-BD17-5CBFE586F9BA}" type="datetimeFigureOut">
               <a:rPr lang="zh-TW" altLang="en-US" smtClean="0"/>
-              <a:t>2024/3/14</a:t>
+              <a:t>2024/5/6</a:t>
             </a:fld>
             <a:endParaRPr lang="zh-TW" altLang="en-US"/>
           </a:p>
@@ -4854,7 +4854,7 @@
           <a:p>
             <a:fld id="{F0DA24C8-DA9E-4080-B56C-E24E75A7F8F7}" type="datetimeFigureOut">
               <a:rPr lang="zh-TW" altLang="en-US" smtClean="0"/>
-              <a:t>2024/3/14</a:t>
+              <a:t>2024/5/6</a:t>
             </a:fld>
             <a:endParaRPr lang="zh-TW" altLang="en-US"/>
           </a:p>
@@ -5052,7 +5052,7 @@
           <a:p>
             <a:fld id="{F0DA24C8-DA9E-4080-B56C-E24E75A7F8F7}" type="datetimeFigureOut">
               <a:rPr lang="zh-TW" altLang="en-US" smtClean="0"/>
-              <a:t>2024/3/14</a:t>
+              <a:t>2024/5/6</a:t>
             </a:fld>
             <a:endParaRPr lang="zh-TW" altLang="en-US"/>
           </a:p>
@@ -5260,7 +5260,7 @@
           <a:p>
             <a:fld id="{F0DA24C8-DA9E-4080-B56C-E24E75A7F8F7}" type="datetimeFigureOut">
               <a:rPr lang="zh-TW" altLang="en-US" smtClean="0"/>
-              <a:t>2024/3/14</a:t>
+              <a:t>2024/5/6</a:t>
             </a:fld>
             <a:endParaRPr lang="zh-TW" altLang="en-US"/>
           </a:p>
@@ -5641,7 +5641,7 @@
                 </a:solidFill>
               </a:rPr>
               <a:pPr/>
-              <a:t>3/14/2024</a:t>
+              <a:t>5/6/2024</a:t>
             </a:fld>
             <a:endParaRPr kumimoji="0" lang="en-US" dirty="0"/>
           </a:p>
@@ -5872,7 +5872,7 @@
                 </a:solidFill>
               </a:rPr>
               <a:pPr/>
-              <a:t>3/14/2024</a:t>
+              <a:t>5/6/2024</a:t>
             </a:fld>
             <a:endParaRPr kumimoji="0" lang="en-US" dirty="0"/>
           </a:p>
@@ -6105,7 +6105,7 @@
                 </a:solidFill>
               </a:rPr>
               <a:pPr/>
-              <a:t>3/14/2024</a:t>
+              <a:t>5/6/2024</a:t>
             </a:fld>
             <a:endParaRPr kumimoji="0" lang="en-US" dirty="0"/>
           </a:p>
@@ -6587,7 +6587,7 @@
                 </a:solidFill>
               </a:rPr>
               <a:pPr/>
-              <a:t>3/14/2024</a:t>
+              <a:t>5/6/2024</a:t>
             </a:fld>
             <a:endParaRPr kumimoji="0" lang="en-US" dirty="0"/>
           </a:p>
@@ -6944,7 +6944,7 @@
                 </a:solidFill>
               </a:rPr>
               <a:pPr/>
-              <a:t>3/14/2024</a:t>
+              <a:t>5/6/2024</a:t>
             </a:fld>
             <a:endParaRPr kumimoji="0" lang="en-US" dirty="0"/>
           </a:p>
@@ -7307,7 +7307,7 @@
                 </a:solidFill>
               </a:rPr>
               <a:pPr/>
-              <a:t>3/14/2024</a:t>
+              <a:t>5/6/2024</a:t>
             </a:fld>
             <a:endParaRPr kumimoji="0" lang="en-US" dirty="0"/>
           </a:p>
@@ -7617,7 +7617,7 @@
                 </a:solidFill>
               </a:rPr>
               <a:pPr/>
-              <a:t>3/14/2024</a:t>
+              <a:t>5/6/2024</a:t>
             </a:fld>
             <a:endParaRPr kumimoji="0" lang="en-US" dirty="0"/>
           </a:p>
@@ -7812,7 +7812,7 @@
           <a:p>
             <a:fld id="{F0DA24C8-DA9E-4080-B56C-E24E75A7F8F7}" type="datetimeFigureOut">
               <a:rPr lang="zh-TW" altLang="en-US" smtClean="0"/>
-              <a:t>2024/3/14</a:t>
+              <a:t>2024/5/6</a:t>
             </a:fld>
             <a:endParaRPr lang="zh-TW" altLang="en-US"/>
           </a:p>
@@ -8296,7 +8296,7 @@
                 </a:solidFill>
               </a:rPr>
               <a:pPr/>
-              <a:t>3/14/2024</a:t>
+              <a:t>5/6/2024</a:t>
             </a:fld>
             <a:endParaRPr kumimoji="0" lang="en-US" dirty="0"/>
           </a:p>
@@ -8692,7 +8692,7 @@
                 </a:solidFill>
               </a:rPr>
               <a:pPr/>
-              <a:t>3/14/2024</a:t>
+              <a:t>5/6/2024</a:t>
             </a:fld>
             <a:endParaRPr kumimoji="0" lang="en-US" dirty="0"/>
           </a:p>
@@ -9032,7 +9032,7 @@
                 </a:solidFill>
               </a:rPr>
               <a:pPr/>
-              <a:t>3/14/2024</a:t>
+              <a:t>5/6/2024</a:t>
             </a:fld>
             <a:endParaRPr kumimoji="0" lang="en-US" dirty="0"/>
           </a:p>
@@ -9613,7 +9613,7 @@
                 </a:solidFill>
               </a:rPr>
               <a:pPr/>
-              <a:t>3/14/2024</a:t>
+              <a:t>5/6/2024</a:t>
             </a:fld>
             <a:endParaRPr kumimoji="0" lang="en-US" dirty="0"/>
           </a:p>
@@ -10182,7 +10182,7 @@
                 </a:solidFill>
               </a:rPr>
               <a:pPr/>
-              <a:t>3/14/2024</a:t>
+              <a:t>5/6/2024</a:t>
             </a:fld>
             <a:endParaRPr kumimoji="0" lang="en-US" dirty="0"/>
           </a:p>
@@ -10646,7 +10646,7 @@
                 </a:solidFill>
               </a:rPr>
               <a:pPr/>
-              <a:t>3/14/2024</a:t>
+              <a:t>5/6/2024</a:t>
             </a:fld>
             <a:endParaRPr kumimoji="0" lang="en-US" dirty="0"/>
           </a:p>
@@ -11075,7 +11075,7 @@
                 </a:solidFill>
               </a:rPr>
               <a:pPr/>
-              <a:t>3/14/2024</a:t>
+              <a:t>5/6/2024</a:t>
             </a:fld>
             <a:endParaRPr kumimoji="0" lang="en-US" dirty="0"/>
           </a:p>
@@ -11584,7 +11584,7 @@
                 </a:solidFill>
               </a:rPr>
               <a:pPr/>
-              <a:t>3/14/2024</a:t>
+              <a:t>5/6/2024</a:t>
             </a:fld>
             <a:endParaRPr kumimoji="0" lang="en-US" dirty="0"/>
           </a:p>
@@ -12093,7 +12093,7 @@
                 </a:solidFill>
               </a:rPr>
               <a:pPr/>
-              <a:t>3/14/2024</a:t>
+              <a:t>5/6/2024</a:t>
             </a:fld>
             <a:endParaRPr kumimoji="0" lang="en-US" dirty="0"/>
           </a:p>
@@ -12314,7 +12314,7 @@
                 </a:solidFill>
               </a:rPr>
               <a:pPr/>
-              <a:t>3/14/2024</a:t>
+              <a:t>5/6/2024</a:t>
             </a:fld>
             <a:endParaRPr kumimoji="0" lang="en-US" dirty="0"/>
           </a:p>
@@ -12586,7 +12586,7 @@
           <a:p>
             <a:fld id="{F0DA24C8-DA9E-4080-B56C-E24E75A7F8F7}" type="datetimeFigureOut">
               <a:rPr lang="zh-TW" altLang="en-US" smtClean="0"/>
-              <a:t>2024/3/14</a:t>
+              <a:t>2024/5/6</a:t>
             </a:fld>
             <a:endParaRPr lang="zh-TW" altLang="en-US"/>
           </a:p>
@@ -12922,7 +12922,7 @@
                 </a:solidFill>
               </a:rPr>
               <a:pPr/>
-              <a:t>3/14/2024</a:t>
+              <a:t>5/6/2024</a:t>
             </a:fld>
             <a:endParaRPr kumimoji="0" lang="en-US" dirty="0"/>
           </a:p>
@@ -13146,7 +13146,7 @@
                 </a:solidFill>
               </a:rPr>
               <a:pPr/>
-              <a:t>3/14/2024</a:t>
+              <a:t>5/6/2024</a:t>
             </a:fld>
             <a:endParaRPr kumimoji="0" lang="en-US" dirty="0"/>
           </a:p>
@@ -13327,7 +13327,7 @@
             <a:fld id="{ACB2EC6F-6501-4E04-BD6C-A8A6CABB2C5B}" type="datetimeFigureOut">
               <a:rPr kumimoji="0" lang="en-US" smtClean="0"/>
               <a:pPr/>
-              <a:t>3/14/2024</a:t>
+              <a:t>5/6/2024</a:t>
             </a:fld>
             <a:endParaRPr kumimoji="0" lang="en-US" dirty="0"/>
           </a:p>
@@ -13611,7 +13611,7 @@
           <a:p>
             <a:fld id="{F0DA24C8-DA9E-4080-B56C-E24E75A7F8F7}" type="datetimeFigureOut">
               <a:rPr lang="zh-TW" altLang="en-US" smtClean="0"/>
-              <a:t>2024/3/14</a:t>
+              <a:t>2024/5/6</a:t>
             </a:fld>
             <a:endParaRPr lang="zh-TW" altLang="en-US"/>
           </a:p>
@@ -14023,7 +14023,7 @@
           <a:p>
             <a:fld id="{F0DA24C8-DA9E-4080-B56C-E24E75A7F8F7}" type="datetimeFigureOut">
               <a:rPr lang="zh-TW" altLang="en-US" smtClean="0"/>
-              <a:t>2024/3/14</a:t>
+              <a:t>2024/5/6</a:t>
             </a:fld>
             <a:endParaRPr lang="zh-TW" altLang="en-US"/>
           </a:p>
@@ -14164,7 +14164,7 @@
           <a:p>
             <a:fld id="{F0DA24C8-DA9E-4080-B56C-E24E75A7F8F7}" type="datetimeFigureOut">
               <a:rPr lang="zh-TW" altLang="en-US" smtClean="0"/>
-              <a:t>2024/3/14</a:t>
+              <a:t>2024/5/6</a:t>
             </a:fld>
             <a:endParaRPr lang="zh-TW" altLang="en-US"/>
           </a:p>
@@ -14277,7 +14277,7 @@
           <a:p>
             <a:fld id="{F0DA24C8-DA9E-4080-B56C-E24E75A7F8F7}" type="datetimeFigureOut">
               <a:rPr lang="zh-TW" altLang="en-US" smtClean="0"/>
-              <a:t>2024/3/14</a:t>
+              <a:t>2024/5/6</a:t>
             </a:fld>
             <a:endParaRPr lang="zh-TW" altLang="en-US"/>
           </a:p>
@@ -14588,7 +14588,7 @@
           <a:p>
             <a:fld id="{F0DA24C8-DA9E-4080-B56C-E24E75A7F8F7}" type="datetimeFigureOut">
               <a:rPr lang="zh-TW" altLang="en-US" smtClean="0"/>
-              <a:t>2024/3/14</a:t>
+              <a:t>2024/5/6</a:t>
             </a:fld>
             <a:endParaRPr lang="zh-TW" altLang="en-US"/>
           </a:p>
@@ -14876,7 +14876,7 @@
           <a:p>
             <a:fld id="{F0DA24C8-DA9E-4080-B56C-E24E75A7F8F7}" type="datetimeFigureOut">
               <a:rPr lang="zh-TW" altLang="en-US" smtClean="0"/>
-              <a:t>2024/3/14</a:t>
+              <a:t>2024/5/6</a:t>
             </a:fld>
             <a:endParaRPr lang="zh-TW" altLang="en-US"/>
           </a:p>
@@ -15117,7 +15117,7 @@
           <a:p>
             <a:fld id="{F0DA24C8-DA9E-4080-B56C-E24E75A7F8F7}" type="datetimeFigureOut">
               <a:rPr lang="zh-TW" altLang="en-US" smtClean="0"/>
-              <a:t>2024/3/14</a:t>
+              <a:t>2024/5/6</a:t>
             </a:fld>
             <a:endParaRPr lang="zh-TW" altLang="en-US"/>
           </a:p>
@@ -15689,7 +15689,7 @@
                 </a:solidFill>
               </a:rPr>
               <a:pPr/>
-              <a:t>3/14/2024</a:t>
+              <a:t>5/6/2024</a:t>
             </a:fld>
             <a:endParaRPr kumimoji="0" lang="en-US" sz="1200" dirty="0">
               <a:solidFill>
@@ -16235,7 +16235,7 @@
                 <a:ea typeface="新細明體" panose="02020500000000000000" pitchFamily="18" charset="-120"/>
               </a:rPr>
               <a:pPr/>
-              <a:t>3/14/2024</a:t>
+              <a:t>5/6/2024</a:t>
             </a:fld>
             <a:endParaRPr lang="en-US" dirty="0">
               <a:solidFill>
@@ -16448,7 +16448,7 @@
                 <a:cs typeface="Arial" panose="020B0604020202020204" pitchFamily="34" charset="0"/>
               </a:rPr>
               <a:pPr/>
-              <a:t>3/14/2024</a:t>
+              <a:t>5/6/2024</a:t>
             </a:fld>
             <a:endParaRPr lang="en-US" dirty="0">
               <a:solidFill>
@@ -16750,7 +16750,7 @@
                 <a:cs typeface="Arial" panose="020B0604020202020204" pitchFamily="34" charset="0"/>
               </a:rPr>
               <a:pPr/>
-              <a:t>3/14/2024</a:t>
+              <a:t>5/6/2024</a:t>
             </a:fld>
             <a:endParaRPr lang="en-US" dirty="0">
               <a:solidFill>
@@ -17115,7 +17115,7 @@
                 <a:cs typeface="Arial" panose="020B0604020202020204" pitchFamily="34" charset="0"/>
               </a:rPr>
               <a:pPr/>
-              <a:t>3/14/2024</a:t>
+              <a:t>5/6/2024</a:t>
             </a:fld>
             <a:endParaRPr lang="en-US" dirty="0">
               <a:solidFill>
@@ -17500,7 +17500,7 @@
                 <a:cs typeface="Arial" panose="020B0604020202020204" pitchFamily="34" charset="0"/>
               </a:rPr>
               <a:pPr/>
-              <a:t>3/14/2024</a:t>
+              <a:t>5/6/2024</a:t>
             </a:fld>
             <a:endParaRPr lang="en-US" dirty="0">
               <a:solidFill>
@@ -17905,7 +17905,7 @@
                 <a:cs typeface="Arial" panose="020B0604020202020204" pitchFamily="34" charset="0"/>
               </a:rPr>
               <a:pPr/>
-              <a:t>3/14/2024</a:t>
+              <a:t>5/6/2024</a:t>
             </a:fld>
             <a:endParaRPr lang="en-US" dirty="0">
               <a:solidFill>
@@ -18230,7 +18230,7 @@
                 <a:cs typeface="Arial" panose="020B0604020202020204" pitchFamily="34" charset="0"/>
               </a:rPr>
               <a:pPr/>
-              <a:t>3/14/2024</a:t>
+              <a:t>5/6/2024</a:t>
             </a:fld>
             <a:endParaRPr lang="en-US" dirty="0">
               <a:solidFill>
@@ -18536,7 +18536,7 @@
                 <a:cs typeface="Arial" panose="020B0604020202020204" pitchFamily="34" charset="0"/>
               </a:rPr>
               <a:pPr/>
-              <a:t>3/14/2024</a:t>
+              <a:t>5/6/2024</a:t>
             </a:fld>
             <a:endParaRPr lang="en-US" dirty="0">
               <a:solidFill>
@@ -18822,7 +18822,7 @@
                 <a:cs typeface="Arial" panose="020B0604020202020204" pitchFamily="34" charset="0"/>
               </a:rPr>
               <a:pPr/>
-              <a:t>3/14/2024</a:t>
+              <a:t>5/6/2024</a:t>
             </a:fld>
             <a:endParaRPr lang="en-US" dirty="0">
               <a:solidFill>
@@ -19088,7 +19088,7 @@
                 <a:cs typeface="Arial" panose="020B0604020202020204" pitchFamily="34" charset="0"/>
               </a:rPr>
               <a:pPr/>
-              <a:t>3/14/2024</a:t>
+              <a:t>5/6/2024</a:t>
             </a:fld>
             <a:endParaRPr lang="en-US" dirty="0">
               <a:solidFill>
@@ -19429,7 +19429,7 @@
                 <a:cs typeface="Arial" panose="020B0604020202020204" pitchFamily="34" charset="0"/>
               </a:rPr>
               <a:pPr/>
-              <a:t>3/14/2024</a:t>
+              <a:t>5/6/2024</a:t>
             </a:fld>
             <a:endParaRPr lang="en-US" dirty="0">
               <a:solidFill>
@@ -19496,7 +19496,7 @@
         <p:spPr>
           <a:xfrm>
             <a:off x="609600" y="1524002"/>
-            <a:ext cx="8229600" cy="4031873"/>
+            <a:ext cx="8229600" cy="5016758"/>
           </a:xfrm>
           <a:prstGeom prst="rect">
             <a:avLst/>
@@ -19696,10 +19696,26 @@
             </a:endParaRPr>
           </a:p>
           <a:p>
-            <a:pPr marL="457200" indent="-457200">
-              <a:buFont typeface="Arial" panose="020B0604020202020204" pitchFamily="34" charset="0"/>
-              <a:buChar char="•"/>
-            </a:pPr>
+            <a:r>
+              <a:rPr lang="en-US" altLang="zh-TW" sz="3200" dirty="0">
+                <a:solidFill>
+                  <a:prstClr val="white"/>
+                </a:solidFill>
+                <a:latin typeface="微軟正黑體" panose="020B0604030504040204" pitchFamily="34" charset="-120"/>
+                <a:ea typeface="微軟正黑體" panose="020B0604030504040204" pitchFamily="34" charset="-120"/>
+                <a:hlinkClick r:id="rId3"/>
+              </a:rPr>
+              <a:t>https://transformer.huggingface.co/doc/gpt2-large</a:t>
+            </a:r>
+            <a:endParaRPr lang="en-US" altLang="zh-TW" sz="3200" dirty="0">
+              <a:solidFill>
+                <a:prstClr val="white"/>
+              </a:solidFill>
+              <a:latin typeface="微軟正黑體" panose="020B0604030504040204" pitchFamily="34" charset="-120"/>
+              <a:ea typeface="微軟正黑體" panose="020B0604030504040204" pitchFamily="34" charset="-120"/>
+            </a:endParaRPr>
+          </a:p>
+          <a:p>
             <a:endParaRPr lang="en-US" altLang="zh-TW" sz="3200" dirty="0">
               <a:solidFill>
                 <a:prstClr val="white"/>
@@ -19851,7 +19867,7 @@
                 <a:cs typeface="Arial" panose="020B0604020202020204" pitchFamily="34" charset="0"/>
               </a:rPr>
               <a:pPr/>
-              <a:t>3/14/2024</a:t>
+              <a:t>5/6/2024</a:t>
             </a:fld>
             <a:endParaRPr lang="en-US" dirty="0">
               <a:solidFill>
@@ -20393,7 +20409,7 @@
                 <a:cs typeface="Arial" panose="020B0604020202020204" pitchFamily="34" charset="0"/>
               </a:rPr>
               <a:pPr/>
-              <a:t>3/14/2024</a:t>
+              <a:t>5/6/2024</a:t>
             </a:fld>
             <a:endParaRPr lang="en-US" dirty="0">
               <a:solidFill>
@@ -20692,7 +20708,7 @@
                 <a:cs typeface="Arial" panose="020B0604020202020204" pitchFamily="34" charset="0"/>
               </a:rPr>
               <a:pPr/>
-              <a:t>3/14/2024</a:t>
+              <a:t>5/6/2024</a:t>
             </a:fld>
             <a:endParaRPr lang="en-US" dirty="0">
               <a:solidFill>
@@ -21143,7 +21159,7 @@
                 <a:cs typeface="Arial" panose="020B0604020202020204" pitchFamily="34" charset="0"/>
               </a:rPr>
               <a:pPr/>
-              <a:t>3/14/2024</a:t>
+              <a:t>5/6/2024</a:t>
             </a:fld>
             <a:endParaRPr lang="en-US" dirty="0">
               <a:solidFill>
@@ -21460,7 +21476,7 @@
                 <a:cs typeface="Arial" panose="020B0604020202020204" pitchFamily="34" charset="0"/>
               </a:rPr>
               <a:pPr/>
-              <a:t>3/14/2024</a:t>
+              <a:t>5/6/2024</a:t>
             </a:fld>
             <a:endParaRPr lang="en-US" dirty="0">
               <a:solidFill>
@@ -21906,7 +21922,7 @@
                 <a:cs typeface="Arial" panose="020B0604020202020204" pitchFamily="34" charset="0"/>
               </a:rPr>
               <a:pPr/>
-              <a:t>3/14/2024</a:t>
+              <a:t>5/6/2024</a:t>
             </a:fld>
             <a:endParaRPr lang="en-US" dirty="0">
               <a:solidFill>
@@ -22135,7 +22151,7 @@
                 <a:cs typeface="Arial" panose="020B0604020202020204" pitchFamily="34" charset="0"/>
               </a:rPr>
               <a:pPr/>
-              <a:t>3/14/2024</a:t>
+              <a:t>5/6/2024</a:t>
             </a:fld>
             <a:endParaRPr lang="en-US" dirty="0">
               <a:solidFill>
@@ -22782,7 +22798,7 @@
                 <a:cs typeface="Arial" panose="020B0604020202020204" pitchFamily="34" charset="0"/>
               </a:rPr>
               <a:pPr/>
-              <a:t>3/14/2024</a:t>
+              <a:t>5/6/2024</a:t>
             </a:fld>
             <a:endParaRPr lang="en-US" dirty="0">
               <a:solidFill>
@@ -23426,7 +23442,7 @@
                 <a:cs typeface="Arial" panose="020B0604020202020204" pitchFamily="34" charset="0"/>
               </a:rPr>
               <a:pPr/>
-              <a:t>3/14/2024</a:t>
+              <a:t>5/6/2024</a:t>
             </a:fld>
             <a:endParaRPr lang="en-US" dirty="0">
               <a:solidFill>
@@ -24313,7 +24329,7 @@
                 <a:cs typeface="Arial" panose="020B0604020202020204" pitchFamily="34" charset="0"/>
               </a:rPr>
               <a:pPr/>
-              <a:t>3/14/2024</a:t>
+              <a:t>5/6/2024</a:t>
             </a:fld>
             <a:endParaRPr lang="en-US" dirty="0">
               <a:solidFill>
@@ -25021,7 +25037,7 @@
                 <a:cs typeface="Arial" panose="020B0604020202020204" pitchFamily="34" charset="0"/>
               </a:rPr>
               <a:pPr/>
-              <a:t>3/14/2024</a:t>
+              <a:t>5/6/2024</a:t>
             </a:fld>
             <a:endParaRPr lang="en-US" dirty="0">
               <a:solidFill>
@@ -25606,7 +25622,7 @@
                 <a:cs typeface="Arial" panose="020B0604020202020204" pitchFamily="34" charset="0"/>
               </a:rPr>
               <a:pPr/>
-              <a:t>3/14/2024</a:t>
+              <a:t>5/6/2024</a:t>
             </a:fld>
             <a:endParaRPr lang="en-US" dirty="0">
               <a:solidFill>
@@ -26191,7 +26207,7 @@
                 <a:cs typeface="Arial" panose="020B0604020202020204" pitchFamily="34" charset="0"/>
               </a:rPr>
               <a:pPr/>
-              <a:t>3/14/2024</a:t>
+              <a:t>5/6/2024</a:t>
             </a:fld>
             <a:endParaRPr lang="en-US" dirty="0">
               <a:solidFill>
@@ -26776,7 +26792,7 @@
                 <a:cs typeface="Arial" panose="020B0604020202020204" pitchFamily="34" charset="0"/>
               </a:rPr>
               <a:pPr/>
-              <a:t>3/14/2024</a:t>
+              <a:t>5/6/2024</a:t>
             </a:fld>
             <a:endParaRPr lang="en-US" dirty="0">
               <a:solidFill>
@@ -27469,7 +27485,7 @@
                 <a:cs typeface="Arial" panose="020B0604020202020204" pitchFamily="34" charset="0"/>
               </a:rPr>
               <a:pPr/>
-              <a:t>3/14/2024</a:t>
+              <a:t>5/6/2024</a:t>
             </a:fld>
             <a:endParaRPr lang="en-US" dirty="0">
               <a:solidFill>

--- a/Slides/04：語言模型的演進/14：大型語言模型的進化.pptx
+++ b/Slides/04：語言模型的演進/14：大型語言模型的進化.pptx
@@ -6,7 +6,7 @@
     <p:sldMasterId id="2147483660" r:id="rId2"/>
   </p:sldMasterIdLst>
   <p:notesMasterIdLst>
-    <p:notesMasterId r:id="rId32"/>
+    <p:notesMasterId r:id="rId33"/>
   </p:notesMasterIdLst>
   <p:sldIdLst>
     <p:sldId id="1140" r:id="rId3"/>
@@ -28,16 +28,17 @@
     <p:sldId id="1188" r:id="rId19"/>
     <p:sldId id="1195" r:id="rId20"/>
     <p:sldId id="1196" r:id="rId21"/>
-    <p:sldId id="1132" r:id="rId22"/>
-    <p:sldId id="1198" r:id="rId23"/>
-    <p:sldId id="1199" r:id="rId24"/>
-    <p:sldId id="1200" r:id="rId25"/>
-    <p:sldId id="1197" r:id="rId26"/>
-    <p:sldId id="1185" r:id="rId27"/>
-    <p:sldId id="1186" r:id="rId28"/>
-    <p:sldId id="1146" r:id="rId29"/>
-    <p:sldId id="1152" r:id="rId30"/>
-    <p:sldId id="1151" r:id="rId31"/>
+    <p:sldId id="1201" r:id="rId22"/>
+    <p:sldId id="1132" r:id="rId23"/>
+    <p:sldId id="1198" r:id="rId24"/>
+    <p:sldId id="1199" r:id="rId25"/>
+    <p:sldId id="1200" r:id="rId26"/>
+    <p:sldId id="1197" r:id="rId27"/>
+    <p:sldId id="1185" r:id="rId28"/>
+    <p:sldId id="1186" r:id="rId29"/>
+    <p:sldId id="1146" r:id="rId30"/>
+    <p:sldId id="1152" r:id="rId31"/>
+    <p:sldId id="1151" r:id="rId32"/>
   </p:sldIdLst>
   <p:sldSz cx="9144000" cy="6858000" type="screen4x3"/>
   <p:notesSz cx="6858000" cy="9144000"/>
@@ -562,7 +563,7 @@
           <a:p>
             <a:fld id="{4C5D3C8C-E7F7-4283-BD17-5CBFE586F9BA}" type="datetimeFigureOut">
               <a:rPr lang="zh-TW" altLang="en-US" smtClean="0"/>
-              <a:t>2024/5/6</a:t>
+              <a:t>2024/5/13</a:t>
             </a:fld>
             <a:endParaRPr lang="zh-TW" altLang="en-US"/>
           </a:p>
@@ -2738,7 +2739,7 @@
                 <a:tabLst/>
                 <a:defRPr/>
               </a:pPr>
-              <a:t>21</a:t>
+              <a:t>22</a:t>
             </a:fld>
             <a:endParaRPr kumimoji="0" lang="en-US" sz="1200" b="0" i="0" u="none" strike="noStrike" kern="1200" cap="none" spc="0" normalizeH="0" baseline="0" noProof="0" dirty="0">
               <a:ln>
@@ -2887,7 +2888,7 @@
                 <a:tabLst/>
                 <a:defRPr/>
               </a:pPr>
-              <a:t>22</a:t>
+              <a:t>23</a:t>
             </a:fld>
             <a:endParaRPr kumimoji="0" lang="en-US" sz="1200" b="0" i="0" u="none" strike="noStrike" kern="1200" cap="none" spc="0" normalizeH="0" baseline="0" noProof="0" dirty="0">
               <a:ln>
@@ -2920,155 +2921,6 @@
 </file>
 
 <file path=ppt/notesSlides/notesSlide22.xml><?xml version="1.0" encoding="utf-8"?>
-<p:notes xmlns:a="http://schemas.openxmlformats.org/drawingml/2006/main" xmlns:r="http://schemas.openxmlformats.org/officeDocument/2006/relationships" xmlns:p="http://schemas.openxmlformats.org/presentationml/2006/main">
-  <p:cSld>
-    <p:spTree>
-      <p:nvGrpSpPr>
-        <p:cNvPr id="1" name=""/>
-        <p:cNvGrpSpPr/>
-        <p:nvPr/>
-      </p:nvGrpSpPr>
-      <p:grpSpPr>
-        <a:xfrm>
-          <a:off x="0" y="0"/>
-          <a:ext cx="0" cy="0"/>
-          <a:chOff x="0" y="0"/>
-          <a:chExt cx="0" cy="0"/>
-        </a:xfrm>
-      </p:grpSpPr>
-      <p:sp>
-        <p:nvSpPr>
-          <p:cNvPr id="2" name="投影片圖像版面配置區 1"/>
-          <p:cNvSpPr>
-            <a:spLocks noGrp="1" noRot="1" noChangeAspect="1"/>
-          </p:cNvSpPr>
-          <p:nvPr>
-            <p:ph type="sldImg"/>
-          </p:nvPr>
-        </p:nvSpPr>
-        <p:spPr>
-          <a:xfrm>
-            <a:off x="1371600" y="1143000"/>
-            <a:ext cx="4114800" cy="3086100"/>
-          </a:xfrm>
-        </p:spPr>
-      </p:sp>
-      <p:sp>
-        <p:nvSpPr>
-          <p:cNvPr id="3" name="備忘稿版面配置區 2"/>
-          <p:cNvSpPr>
-            <a:spLocks noGrp="1"/>
-          </p:cNvSpPr>
-          <p:nvPr>
-            <p:ph type="body" idx="1"/>
-          </p:nvPr>
-        </p:nvSpPr>
-        <p:spPr/>
-        <p:txBody>
-          <a:bodyPr/>
-          <a:lstStyle/>
-          <a:p>
-            <a:endParaRPr lang="zh-TW" altLang="en-US" dirty="0"/>
-          </a:p>
-        </p:txBody>
-      </p:sp>
-      <p:sp>
-        <p:nvSpPr>
-          <p:cNvPr id="4" name="投影片編號版面配置區 3"/>
-          <p:cNvSpPr>
-            <a:spLocks noGrp="1"/>
-          </p:cNvSpPr>
-          <p:nvPr>
-            <p:ph type="sldNum" sz="quarter" idx="10"/>
-          </p:nvPr>
-        </p:nvSpPr>
-        <p:spPr/>
-        <p:txBody>
-          <a:bodyPr/>
-          <a:lstStyle/>
-          <a:p>
-            <a:pPr marL="0" marR="0" lvl="0" indent="0" algn="r" defTabSz="914400" rtl="0" eaLnBrk="1" fontAlgn="auto" latinLnBrk="0" hangingPunct="1">
-              <a:lnSpc>
-                <a:spcPct val="100000"/>
-              </a:lnSpc>
-              <a:spcBef>
-                <a:spcPts val="0"/>
-              </a:spcBef>
-              <a:spcAft>
-                <a:spcPts val="0"/>
-              </a:spcAft>
-              <a:buClrTx/>
-              <a:buSzTx/>
-              <a:buFontTx/>
-              <a:buNone/>
-              <a:tabLst/>
-              <a:defRPr/>
-            </a:pPr>
-            <a:fld id="{9B26CD33-4337-4529-948A-94F6960B2374}" type="slidenum">
-              <a:rPr kumimoji="0" lang="en-US" sz="1200" b="0" i="0" u="none" strike="noStrike" kern="1200" cap="none" spc="0" normalizeH="0" baseline="0" noProof="0" smtClean="0">
-                <a:ln>
-                  <a:noFill/>
-                </a:ln>
-                <a:solidFill>
-                  <a:prstClr val="black"/>
-                </a:solidFill>
-                <a:effectLst/>
-                <a:uLnTx/>
-                <a:uFillTx/>
-                <a:latin typeface="Calibri"/>
-                <a:ea typeface="+mn-ea"/>
-                <a:cs typeface="+mn-cs"/>
-              </a:rPr>
-              <a:pPr marL="0" marR="0" lvl="0" indent="0" algn="r" defTabSz="914400" rtl="0" eaLnBrk="1" fontAlgn="auto" latinLnBrk="0" hangingPunct="1">
-                <a:lnSpc>
-                  <a:spcPct val="100000"/>
-                </a:lnSpc>
-                <a:spcBef>
-                  <a:spcPts val="0"/>
-                </a:spcBef>
-                <a:spcAft>
-                  <a:spcPts val="0"/>
-                </a:spcAft>
-                <a:buClrTx/>
-                <a:buSzTx/>
-                <a:buFontTx/>
-                <a:buNone/>
-                <a:tabLst/>
-                <a:defRPr/>
-              </a:pPr>
-              <a:t>24</a:t>
-            </a:fld>
-            <a:endParaRPr kumimoji="0" lang="en-US" sz="1200" b="0" i="0" u="none" strike="noStrike" kern="1200" cap="none" spc="0" normalizeH="0" baseline="0" noProof="0" dirty="0">
-              <a:ln>
-                <a:noFill/>
-              </a:ln>
-              <a:solidFill>
-                <a:prstClr val="black"/>
-              </a:solidFill>
-              <a:effectLst/>
-              <a:uLnTx/>
-              <a:uFillTx/>
-              <a:latin typeface="Calibri"/>
-              <a:ea typeface="+mn-ea"/>
-              <a:cs typeface="+mn-cs"/>
-            </a:endParaRPr>
-          </a:p>
-        </p:txBody>
-      </p:sp>
-    </p:spTree>
-    <p:extLst>
-      <p:ext uri="{BB962C8B-B14F-4D97-AF65-F5344CB8AC3E}">
-        <p14:creationId xmlns:p14="http://schemas.microsoft.com/office/powerpoint/2010/main" val="3197980906"/>
-      </p:ext>
-    </p:extLst>
-  </p:cSld>
-  <p:clrMapOvr>
-    <a:masterClrMapping/>
-  </p:clrMapOvr>
-</p:notes>
-</file>
-
-<file path=ppt/notesSlides/notesSlide23.xml><?xml version="1.0" encoding="utf-8"?>
 <p:notes xmlns:a="http://schemas.openxmlformats.org/drawingml/2006/main" xmlns:r="http://schemas.openxmlformats.org/officeDocument/2006/relationships" xmlns:p="http://schemas.openxmlformats.org/presentationml/2006/main">
   <p:cSld>
     <p:spTree>
@@ -3207,7 +3059,7 @@
     </p:spTree>
     <p:extLst>
       <p:ext uri="{BB962C8B-B14F-4D97-AF65-F5344CB8AC3E}">
-        <p14:creationId xmlns:p14="http://schemas.microsoft.com/office/powerpoint/2010/main" val="2174417263"/>
+        <p14:creationId xmlns:p14="http://schemas.microsoft.com/office/powerpoint/2010/main" val="3197980906"/>
       </p:ext>
     </p:extLst>
   </p:cSld>
@@ -3217,7 +3069,7 @@
 </p:notes>
 </file>
 
-<file path=ppt/notesSlides/notesSlide24.xml><?xml version="1.0" encoding="utf-8"?>
+<file path=ppt/notesSlides/notesSlide23.xml><?xml version="1.0" encoding="utf-8"?>
 <p:notes xmlns:a="http://schemas.openxmlformats.org/drawingml/2006/main" xmlns:r="http://schemas.openxmlformats.org/officeDocument/2006/relationships" xmlns:p="http://schemas.openxmlformats.org/presentationml/2006/main">
   <p:cSld>
     <p:spTree>
@@ -3356,7 +3208,7 @@
     </p:spTree>
     <p:extLst>
       <p:ext uri="{BB962C8B-B14F-4D97-AF65-F5344CB8AC3E}">
-        <p14:creationId xmlns:p14="http://schemas.microsoft.com/office/powerpoint/2010/main" val="845347658"/>
+        <p14:creationId xmlns:p14="http://schemas.microsoft.com/office/powerpoint/2010/main" val="2174417263"/>
       </p:ext>
     </p:extLst>
   </p:cSld>
@@ -3366,7 +3218,7 @@
 </p:notes>
 </file>
 
-<file path=ppt/notesSlides/notesSlide25.xml><?xml version="1.0" encoding="utf-8"?>
+<file path=ppt/notesSlides/notesSlide24.xml><?xml version="1.0" encoding="utf-8"?>
 <p:notes xmlns:a="http://schemas.openxmlformats.org/drawingml/2006/main" xmlns:r="http://schemas.openxmlformats.org/officeDocument/2006/relationships" xmlns:p="http://schemas.openxmlformats.org/presentationml/2006/main">
   <p:cSld>
     <p:spTree>
@@ -3505,6 +3357,155 @@
     </p:spTree>
     <p:extLst>
       <p:ext uri="{BB962C8B-B14F-4D97-AF65-F5344CB8AC3E}">
+        <p14:creationId xmlns:p14="http://schemas.microsoft.com/office/powerpoint/2010/main" val="845347658"/>
+      </p:ext>
+    </p:extLst>
+  </p:cSld>
+  <p:clrMapOvr>
+    <a:masterClrMapping/>
+  </p:clrMapOvr>
+</p:notes>
+</file>
+
+<file path=ppt/notesSlides/notesSlide25.xml><?xml version="1.0" encoding="utf-8"?>
+<p:notes xmlns:a="http://schemas.openxmlformats.org/drawingml/2006/main" xmlns:r="http://schemas.openxmlformats.org/officeDocument/2006/relationships" xmlns:p="http://schemas.openxmlformats.org/presentationml/2006/main">
+  <p:cSld>
+    <p:spTree>
+      <p:nvGrpSpPr>
+        <p:cNvPr id="1" name=""/>
+        <p:cNvGrpSpPr/>
+        <p:nvPr/>
+      </p:nvGrpSpPr>
+      <p:grpSpPr>
+        <a:xfrm>
+          <a:off x="0" y="0"/>
+          <a:ext cx="0" cy="0"/>
+          <a:chOff x="0" y="0"/>
+          <a:chExt cx="0" cy="0"/>
+        </a:xfrm>
+      </p:grpSpPr>
+      <p:sp>
+        <p:nvSpPr>
+          <p:cNvPr id="2" name="投影片圖像版面配置區 1"/>
+          <p:cNvSpPr>
+            <a:spLocks noGrp="1" noRot="1" noChangeAspect="1"/>
+          </p:cNvSpPr>
+          <p:nvPr>
+            <p:ph type="sldImg"/>
+          </p:nvPr>
+        </p:nvSpPr>
+        <p:spPr>
+          <a:xfrm>
+            <a:off x="1371600" y="1143000"/>
+            <a:ext cx="4114800" cy="3086100"/>
+          </a:xfrm>
+        </p:spPr>
+      </p:sp>
+      <p:sp>
+        <p:nvSpPr>
+          <p:cNvPr id="3" name="備忘稿版面配置區 2"/>
+          <p:cNvSpPr>
+            <a:spLocks noGrp="1"/>
+          </p:cNvSpPr>
+          <p:nvPr>
+            <p:ph type="body" idx="1"/>
+          </p:nvPr>
+        </p:nvSpPr>
+        <p:spPr/>
+        <p:txBody>
+          <a:bodyPr/>
+          <a:lstStyle/>
+          <a:p>
+            <a:endParaRPr lang="zh-TW" altLang="en-US" dirty="0"/>
+          </a:p>
+        </p:txBody>
+      </p:sp>
+      <p:sp>
+        <p:nvSpPr>
+          <p:cNvPr id="4" name="投影片編號版面配置區 3"/>
+          <p:cNvSpPr>
+            <a:spLocks noGrp="1"/>
+          </p:cNvSpPr>
+          <p:nvPr>
+            <p:ph type="sldNum" sz="quarter" idx="10"/>
+          </p:nvPr>
+        </p:nvSpPr>
+        <p:spPr/>
+        <p:txBody>
+          <a:bodyPr/>
+          <a:lstStyle/>
+          <a:p>
+            <a:pPr marL="0" marR="0" lvl="0" indent="0" algn="r" defTabSz="914400" rtl="0" eaLnBrk="1" fontAlgn="auto" latinLnBrk="0" hangingPunct="1">
+              <a:lnSpc>
+                <a:spcPct val="100000"/>
+              </a:lnSpc>
+              <a:spcBef>
+                <a:spcPts val="0"/>
+              </a:spcBef>
+              <a:spcAft>
+                <a:spcPts val="0"/>
+              </a:spcAft>
+              <a:buClrTx/>
+              <a:buSzTx/>
+              <a:buFontTx/>
+              <a:buNone/>
+              <a:tabLst/>
+              <a:defRPr/>
+            </a:pPr>
+            <a:fld id="{9B26CD33-4337-4529-948A-94F6960B2374}" type="slidenum">
+              <a:rPr kumimoji="0" lang="en-US" sz="1200" b="0" i="0" u="none" strike="noStrike" kern="1200" cap="none" spc="0" normalizeH="0" baseline="0" noProof="0" smtClean="0">
+                <a:ln>
+                  <a:noFill/>
+                </a:ln>
+                <a:solidFill>
+                  <a:prstClr val="black"/>
+                </a:solidFill>
+                <a:effectLst/>
+                <a:uLnTx/>
+                <a:uFillTx/>
+                <a:latin typeface="Calibri"/>
+                <a:ea typeface="+mn-ea"/>
+                <a:cs typeface="+mn-cs"/>
+              </a:rPr>
+              <a:pPr marL="0" marR="0" lvl="0" indent="0" algn="r" defTabSz="914400" rtl="0" eaLnBrk="1" fontAlgn="auto" latinLnBrk="0" hangingPunct="1">
+                <a:lnSpc>
+                  <a:spcPct val="100000"/>
+                </a:lnSpc>
+                <a:spcBef>
+                  <a:spcPts val="0"/>
+                </a:spcBef>
+                <a:spcAft>
+                  <a:spcPts val="0"/>
+                </a:spcAft>
+                <a:buClrTx/>
+                <a:buSzTx/>
+                <a:buFontTx/>
+                <a:buNone/>
+                <a:tabLst/>
+                <a:defRPr/>
+              </a:pPr>
+              <a:t>28</a:t>
+            </a:fld>
+            <a:endParaRPr kumimoji="0" lang="en-US" sz="1200" b="0" i="0" u="none" strike="noStrike" kern="1200" cap="none" spc="0" normalizeH="0" baseline="0" noProof="0" dirty="0">
+              <a:ln>
+                <a:noFill/>
+              </a:ln>
+              <a:solidFill>
+                <a:prstClr val="black"/>
+              </a:solidFill>
+              <a:effectLst/>
+              <a:uLnTx/>
+              <a:uFillTx/>
+              <a:latin typeface="Calibri"/>
+              <a:ea typeface="+mn-ea"/>
+              <a:cs typeface="+mn-cs"/>
+            </a:endParaRPr>
+          </a:p>
+        </p:txBody>
+      </p:sp>
+    </p:spTree>
+    <p:extLst>
+      <p:ext uri="{BB962C8B-B14F-4D97-AF65-F5344CB8AC3E}">
         <p14:creationId xmlns:p14="http://schemas.microsoft.com/office/powerpoint/2010/main" val="2884136390"/>
       </p:ext>
     </p:extLst>
@@ -3632,7 +3633,7 @@
                 <a:tabLst/>
                 <a:defRPr/>
               </a:pPr>
-              <a:t>29</a:t>
+              <a:t>30</a:t>
             </a:fld>
             <a:endParaRPr kumimoji="0" lang="en-US" sz="1200" b="0" i="0" u="none" strike="noStrike" kern="1200" cap="none" spc="0" normalizeH="0" baseline="0" noProof="0" dirty="0">
               <a:ln>
@@ -4854,7 +4855,7 @@
           <a:p>
             <a:fld id="{F0DA24C8-DA9E-4080-B56C-E24E75A7F8F7}" type="datetimeFigureOut">
               <a:rPr lang="zh-TW" altLang="en-US" smtClean="0"/>
-              <a:t>2024/5/6</a:t>
+              <a:t>2024/5/13</a:t>
             </a:fld>
             <a:endParaRPr lang="zh-TW" altLang="en-US"/>
           </a:p>
@@ -5052,7 +5053,7 @@
           <a:p>
             <a:fld id="{F0DA24C8-DA9E-4080-B56C-E24E75A7F8F7}" type="datetimeFigureOut">
               <a:rPr lang="zh-TW" altLang="en-US" smtClean="0"/>
-              <a:t>2024/5/6</a:t>
+              <a:t>2024/5/13</a:t>
             </a:fld>
             <a:endParaRPr lang="zh-TW" altLang="en-US"/>
           </a:p>
@@ -5260,7 +5261,7 @@
           <a:p>
             <a:fld id="{F0DA24C8-DA9E-4080-B56C-E24E75A7F8F7}" type="datetimeFigureOut">
               <a:rPr lang="zh-TW" altLang="en-US" smtClean="0"/>
-              <a:t>2024/5/6</a:t>
+              <a:t>2024/5/13</a:t>
             </a:fld>
             <a:endParaRPr lang="zh-TW" altLang="en-US"/>
           </a:p>
@@ -5641,7 +5642,7 @@
                 </a:solidFill>
               </a:rPr>
               <a:pPr/>
-              <a:t>5/6/2024</a:t>
+              <a:t>5/13/2024</a:t>
             </a:fld>
             <a:endParaRPr kumimoji="0" lang="en-US" dirty="0"/>
           </a:p>
@@ -5872,7 +5873,7 @@
                 </a:solidFill>
               </a:rPr>
               <a:pPr/>
-              <a:t>5/6/2024</a:t>
+              <a:t>5/13/2024</a:t>
             </a:fld>
             <a:endParaRPr kumimoji="0" lang="en-US" dirty="0"/>
           </a:p>
@@ -6105,7 +6106,7 @@
                 </a:solidFill>
               </a:rPr>
               <a:pPr/>
-              <a:t>5/6/2024</a:t>
+              <a:t>5/13/2024</a:t>
             </a:fld>
             <a:endParaRPr kumimoji="0" lang="en-US" dirty="0"/>
           </a:p>
@@ -6587,7 +6588,7 @@
                 </a:solidFill>
               </a:rPr>
               <a:pPr/>
-              <a:t>5/6/2024</a:t>
+              <a:t>5/13/2024</a:t>
             </a:fld>
             <a:endParaRPr kumimoji="0" lang="en-US" dirty="0"/>
           </a:p>
@@ -6944,7 +6945,7 @@
                 </a:solidFill>
               </a:rPr>
               <a:pPr/>
-              <a:t>5/6/2024</a:t>
+              <a:t>5/13/2024</a:t>
             </a:fld>
             <a:endParaRPr kumimoji="0" lang="en-US" dirty="0"/>
           </a:p>
@@ -7307,7 +7308,7 @@
                 </a:solidFill>
               </a:rPr>
               <a:pPr/>
-              <a:t>5/6/2024</a:t>
+              <a:t>5/13/2024</a:t>
             </a:fld>
             <a:endParaRPr kumimoji="0" lang="en-US" dirty="0"/>
           </a:p>
@@ -7617,7 +7618,7 @@
                 </a:solidFill>
               </a:rPr>
               <a:pPr/>
-              <a:t>5/6/2024</a:t>
+              <a:t>5/13/2024</a:t>
             </a:fld>
             <a:endParaRPr kumimoji="0" lang="en-US" dirty="0"/>
           </a:p>
@@ -7812,7 +7813,7 @@
           <a:p>
             <a:fld id="{F0DA24C8-DA9E-4080-B56C-E24E75A7F8F7}" type="datetimeFigureOut">
               <a:rPr lang="zh-TW" altLang="en-US" smtClean="0"/>
-              <a:t>2024/5/6</a:t>
+              <a:t>2024/5/13</a:t>
             </a:fld>
             <a:endParaRPr lang="zh-TW" altLang="en-US"/>
           </a:p>
@@ -8296,7 +8297,7 @@
                 </a:solidFill>
               </a:rPr>
               <a:pPr/>
-              <a:t>5/6/2024</a:t>
+              <a:t>5/13/2024</a:t>
             </a:fld>
             <a:endParaRPr kumimoji="0" lang="en-US" dirty="0"/>
           </a:p>
@@ -8692,7 +8693,7 @@
                 </a:solidFill>
               </a:rPr>
               <a:pPr/>
-              <a:t>5/6/2024</a:t>
+              <a:t>5/13/2024</a:t>
             </a:fld>
             <a:endParaRPr kumimoji="0" lang="en-US" dirty="0"/>
           </a:p>
@@ -9032,7 +9033,7 @@
                 </a:solidFill>
               </a:rPr>
               <a:pPr/>
-              <a:t>5/6/2024</a:t>
+              <a:t>5/13/2024</a:t>
             </a:fld>
             <a:endParaRPr kumimoji="0" lang="en-US" dirty="0"/>
           </a:p>
@@ -9613,7 +9614,7 @@
                 </a:solidFill>
               </a:rPr>
               <a:pPr/>
-              <a:t>5/6/2024</a:t>
+              <a:t>5/13/2024</a:t>
             </a:fld>
             <a:endParaRPr kumimoji="0" lang="en-US" dirty="0"/>
           </a:p>
@@ -10182,7 +10183,7 @@
                 </a:solidFill>
               </a:rPr>
               <a:pPr/>
-              <a:t>5/6/2024</a:t>
+              <a:t>5/13/2024</a:t>
             </a:fld>
             <a:endParaRPr kumimoji="0" lang="en-US" dirty="0"/>
           </a:p>
@@ -10646,7 +10647,7 @@
                 </a:solidFill>
               </a:rPr>
               <a:pPr/>
-              <a:t>5/6/2024</a:t>
+              <a:t>5/13/2024</a:t>
             </a:fld>
             <a:endParaRPr kumimoji="0" lang="en-US" dirty="0"/>
           </a:p>
@@ -11075,7 +11076,7 @@
                 </a:solidFill>
               </a:rPr>
               <a:pPr/>
-              <a:t>5/6/2024</a:t>
+              <a:t>5/13/2024</a:t>
             </a:fld>
             <a:endParaRPr kumimoji="0" lang="en-US" dirty="0"/>
           </a:p>
@@ -11584,7 +11585,7 @@
                 </a:solidFill>
               </a:rPr>
               <a:pPr/>
-              <a:t>5/6/2024</a:t>
+              <a:t>5/13/2024</a:t>
             </a:fld>
             <a:endParaRPr kumimoji="0" lang="en-US" dirty="0"/>
           </a:p>
@@ -12093,7 +12094,7 @@
                 </a:solidFill>
               </a:rPr>
               <a:pPr/>
-              <a:t>5/6/2024</a:t>
+              <a:t>5/13/2024</a:t>
             </a:fld>
             <a:endParaRPr kumimoji="0" lang="en-US" dirty="0"/>
           </a:p>
@@ -12314,7 +12315,7 @@
                 </a:solidFill>
               </a:rPr>
               <a:pPr/>
-              <a:t>5/6/2024</a:t>
+              <a:t>5/13/2024</a:t>
             </a:fld>
             <a:endParaRPr kumimoji="0" lang="en-US" dirty="0"/>
           </a:p>
@@ -12586,7 +12587,7 @@
           <a:p>
             <a:fld id="{F0DA24C8-DA9E-4080-B56C-E24E75A7F8F7}" type="datetimeFigureOut">
               <a:rPr lang="zh-TW" altLang="en-US" smtClean="0"/>
-              <a:t>2024/5/6</a:t>
+              <a:t>2024/5/13</a:t>
             </a:fld>
             <a:endParaRPr lang="zh-TW" altLang="en-US"/>
           </a:p>
@@ -12922,7 +12923,7 @@
                 </a:solidFill>
               </a:rPr>
               <a:pPr/>
-              <a:t>5/6/2024</a:t>
+              <a:t>5/13/2024</a:t>
             </a:fld>
             <a:endParaRPr kumimoji="0" lang="en-US" dirty="0"/>
           </a:p>
@@ -13146,7 +13147,7 @@
                 </a:solidFill>
               </a:rPr>
               <a:pPr/>
-              <a:t>5/6/2024</a:t>
+              <a:t>5/13/2024</a:t>
             </a:fld>
             <a:endParaRPr kumimoji="0" lang="en-US" dirty="0"/>
           </a:p>
@@ -13327,7 +13328,7 @@
             <a:fld id="{ACB2EC6F-6501-4E04-BD6C-A8A6CABB2C5B}" type="datetimeFigureOut">
               <a:rPr kumimoji="0" lang="en-US" smtClean="0"/>
               <a:pPr/>
-              <a:t>5/6/2024</a:t>
+              <a:t>5/13/2024</a:t>
             </a:fld>
             <a:endParaRPr kumimoji="0" lang="en-US" dirty="0"/>
           </a:p>
@@ -13611,7 +13612,7 @@
           <a:p>
             <a:fld id="{F0DA24C8-DA9E-4080-B56C-E24E75A7F8F7}" type="datetimeFigureOut">
               <a:rPr lang="zh-TW" altLang="en-US" smtClean="0"/>
-              <a:t>2024/5/6</a:t>
+              <a:t>2024/5/13</a:t>
             </a:fld>
             <a:endParaRPr lang="zh-TW" altLang="en-US"/>
           </a:p>
@@ -14023,7 +14024,7 @@
           <a:p>
             <a:fld id="{F0DA24C8-DA9E-4080-B56C-E24E75A7F8F7}" type="datetimeFigureOut">
               <a:rPr lang="zh-TW" altLang="en-US" smtClean="0"/>
-              <a:t>2024/5/6</a:t>
+              <a:t>2024/5/13</a:t>
             </a:fld>
             <a:endParaRPr lang="zh-TW" altLang="en-US"/>
           </a:p>
@@ -14164,7 +14165,7 @@
           <a:p>
             <a:fld id="{F0DA24C8-DA9E-4080-B56C-E24E75A7F8F7}" type="datetimeFigureOut">
               <a:rPr lang="zh-TW" altLang="en-US" smtClean="0"/>
-              <a:t>2024/5/6</a:t>
+              <a:t>2024/5/13</a:t>
             </a:fld>
             <a:endParaRPr lang="zh-TW" altLang="en-US"/>
           </a:p>
@@ -14277,7 +14278,7 @@
           <a:p>
             <a:fld id="{F0DA24C8-DA9E-4080-B56C-E24E75A7F8F7}" type="datetimeFigureOut">
               <a:rPr lang="zh-TW" altLang="en-US" smtClean="0"/>
-              <a:t>2024/5/6</a:t>
+              <a:t>2024/5/13</a:t>
             </a:fld>
             <a:endParaRPr lang="zh-TW" altLang="en-US"/>
           </a:p>
@@ -14588,7 +14589,7 @@
           <a:p>
             <a:fld id="{F0DA24C8-DA9E-4080-B56C-E24E75A7F8F7}" type="datetimeFigureOut">
               <a:rPr lang="zh-TW" altLang="en-US" smtClean="0"/>
-              <a:t>2024/5/6</a:t>
+              <a:t>2024/5/13</a:t>
             </a:fld>
             <a:endParaRPr lang="zh-TW" altLang="en-US"/>
           </a:p>
@@ -14876,7 +14877,7 @@
           <a:p>
             <a:fld id="{F0DA24C8-DA9E-4080-B56C-E24E75A7F8F7}" type="datetimeFigureOut">
               <a:rPr lang="zh-TW" altLang="en-US" smtClean="0"/>
-              <a:t>2024/5/6</a:t>
+              <a:t>2024/5/13</a:t>
             </a:fld>
             <a:endParaRPr lang="zh-TW" altLang="en-US"/>
           </a:p>
@@ -15117,7 +15118,7 @@
           <a:p>
             <a:fld id="{F0DA24C8-DA9E-4080-B56C-E24E75A7F8F7}" type="datetimeFigureOut">
               <a:rPr lang="zh-TW" altLang="en-US" smtClean="0"/>
-              <a:t>2024/5/6</a:t>
+              <a:t>2024/5/13</a:t>
             </a:fld>
             <a:endParaRPr lang="zh-TW" altLang="en-US"/>
           </a:p>
@@ -15689,7 +15690,7 @@
                 </a:solidFill>
               </a:rPr>
               <a:pPr/>
-              <a:t>5/6/2024</a:t>
+              <a:t>5/13/2024</a:t>
             </a:fld>
             <a:endParaRPr kumimoji="0" lang="en-US" sz="1200" dirty="0">
               <a:solidFill>
@@ -16235,7 +16236,7 @@
                 <a:ea typeface="新細明體" panose="02020500000000000000" pitchFamily="18" charset="-120"/>
               </a:rPr>
               <a:pPr/>
-              <a:t>5/6/2024</a:t>
+              <a:t>5/13/2024</a:t>
             </a:fld>
             <a:endParaRPr lang="en-US" dirty="0">
               <a:solidFill>
@@ -16448,7 +16449,7 @@
                 <a:cs typeface="Arial" panose="020B0604020202020204" pitchFamily="34" charset="0"/>
               </a:rPr>
               <a:pPr/>
-              <a:t>5/6/2024</a:t>
+              <a:t>5/13/2024</a:t>
             </a:fld>
             <a:endParaRPr lang="en-US" dirty="0">
               <a:solidFill>
@@ -16750,7 +16751,7 @@
                 <a:cs typeface="Arial" panose="020B0604020202020204" pitchFamily="34" charset="0"/>
               </a:rPr>
               <a:pPr/>
-              <a:t>5/6/2024</a:t>
+              <a:t>5/13/2024</a:t>
             </a:fld>
             <a:endParaRPr lang="en-US" dirty="0">
               <a:solidFill>
@@ -17115,7 +17116,7 @@
                 <a:cs typeface="Arial" panose="020B0604020202020204" pitchFamily="34" charset="0"/>
               </a:rPr>
               <a:pPr/>
-              <a:t>5/6/2024</a:t>
+              <a:t>5/13/2024</a:t>
             </a:fld>
             <a:endParaRPr lang="en-US" dirty="0">
               <a:solidFill>
@@ -17500,7 +17501,7 @@
                 <a:cs typeface="Arial" panose="020B0604020202020204" pitchFamily="34" charset="0"/>
               </a:rPr>
               <a:pPr/>
-              <a:t>5/6/2024</a:t>
+              <a:t>5/13/2024</a:t>
             </a:fld>
             <a:endParaRPr lang="en-US" dirty="0">
               <a:solidFill>
@@ -17905,7 +17906,7 @@
                 <a:cs typeface="Arial" panose="020B0604020202020204" pitchFamily="34" charset="0"/>
               </a:rPr>
               <a:pPr/>
-              <a:t>5/6/2024</a:t>
+              <a:t>5/13/2024</a:t>
             </a:fld>
             <a:endParaRPr lang="en-US" dirty="0">
               <a:solidFill>
@@ -18230,7 +18231,7 @@
                 <a:cs typeface="Arial" panose="020B0604020202020204" pitchFamily="34" charset="0"/>
               </a:rPr>
               <a:pPr/>
-              <a:t>5/6/2024</a:t>
+              <a:t>5/13/2024</a:t>
             </a:fld>
             <a:endParaRPr lang="en-US" dirty="0">
               <a:solidFill>
@@ -18536,7 +18537,7 @@
                 <a:cs typeface="Arial" panose="020B0604020202020204" pitchFamily="34" charset="0"/>
               </a:rPr>
               <a:pPr/>
-              <a:t>5/6/2024</a:t>
+              <a:t>5/13/2024</a:t>
             </a:fld>
             <a:endParaRPr lang="en-US" dirty="0">
               <a:solidFill>
@@ -18822,7 +18823,7 @@
                 <a:cs typeface="Arial" panose="020B0604020202020204" pitchFamily="34" charset="0"/>
               </a:rPr>
               <a:pPr/>
-              <a:t>5/6/2024</a:t>
+              <a:t>5/13/2024</a:t>
             </a:fld>
             <a:endParaRPr lang="en-US" dirty="0">
               <a:solidFill>
@@ -19088,7 +19089,7 @@
                 <a:cs typeface="Arial" panose="020B0604020202020204" pitchFamily="34" charset="0"/>
               </a:rPr>
               <a:pPr/>
-              <a:t>5/6/2024</a:t>
+              <a:t>5/13/2024</a:t>
             </a:fld>
             <a:endParaRPr lang="en-US" dirty="0">
               <a:solidFill>
@@ -19429,7 +19430,7 @@
                 <a:cs typeface="Arial" panose="020B0604020202020204" pitchFamily="34" charset="0"/>
               </a:rPr>
               <a:pPr/>
-              <a:t>5/6/2024</a:t>
+              <a:t>5/13/2024</a:t>
             </a:fld>
             <a:endParaRPr lang="en-US" dirty="0">
               <a:solidFill>
@@ -19867,7 +19868,7 @@
                 <a:cs typeface="Arial" panose="020B0604020202020204" pitchFamily="34" charset="0"/>
               </a:rPr>
               <a:pPr/>
-              <a:t>5/6/2024</a:t>
+              <a:t>5/13/2024</a:t>
             </a:fld>
             <a:endParaRPr lang="en-US" dirty="0">
               <a:solidFill>
@@ -20234,6 +20235,69 @@
 </file>
 
 <file path=ppt/slides/slide20.xml><?xml version="1.0" encoding="utf-8"?>
+<p:sld xmlns:a="http://schemas.openxmlformats.org/drawingml/2006/main" xmlns:r="http://schemas.openxmlformats.org/officeDocument/2006/relationships" xmlns:p="http://schemas.openxmlformats.org/presentationml/2006/main">
+  <p:cSld>
+    <p:spTree>
+      <p:nvGrpSpPr>
+        <p:cNvPr id="1" name=""/>
+        <p:cNvGrpSpPr/>
+        <p:nvPr/>
+      </p:nvGrpSpPr>
+      <p:grpSpPr>
+        <a:xfrm>
+          <a:off x="0" y="0"/>
+          <a:ext cx="0" cy="0"/>
+          <a:chOff x="0" y="0"/>
+          <a:chExt cx="0" cy="0"/>
+        </a:xfrm>
+      </p:grpSpPr>
+      <p:pic>
+        <p:nvPicPr>
+          <p:cNvPr id="5" name="圖片 4">
+            <a:extLst>
+              <a:ext uri="{FF2B5EF4-FFF2-40B4-BE49-F238E27FC236}">
+                <a16:creationId xmlns:a16="http://schemas.microsoft.com/office/drawing/2014/main" id="{481CB8C4-1C19-38B6-0F76-4C31C78132C4}"/>
+              </a:ext>
+            </a:extLst>
+          </p:cNvPr>
+          <p:cNvPicPr>
+            <a:picLocks noChangeAspect="1"/>
+          </p:cNvPicPr>
+          <p:nvPr/>
+        </p:nvPicPr>
+        <p:blipFill>
+          <a:blip r:embed="rId2"/>
+          <a:stretch>
+            <a:fillRect/>
+          </a:stretch>
+        </p:blipFill>
+        <p:spPr>
+          <a:xfrm>
+            <a:off x="152398" y="1136288"/>
+            <a:ext cx="8679873" cy="4829828"/>
+          </a:xfrm>
+          <a:prstGeom prst="rect">
+            <a:avLst/>
+          </a:prstGeom>
+        </p:spPr>
+      </p:pic>
+    </p:spTree>
+    <p:extLst>
+      <p:ext uri="{BB962C8B-B14F-4D97-AF65-F5344CB8AC3E}">
+        <p14:creationId xmlns:p14="http://schemas.microsoft.com/office/powerpoint/2010/main" val="2837466471"/>
+      </p:ext>
+    </p:extLst>
+  </p:cSld>
+  <p:clrMapOvr>
+    <a:masterClrMapping/>
+  </p:clrMapOvr>
+  <p:transition>
+    <p:fade/>
+  </p:transition>
+</p:sld>
+</file>
+
+<file path=ppt/slides/slide21.xml><?xml version="1.0" encoding="utf-8"?>
 <p:sld xmlns:a="http://schemas.openxmlformats.org/drawingml/2006/main" xmlns:r="http://schemas.openxmlformats.org/officeDocument/2006/relationships" xmlns:p="http://schemas.openxmlformats.org/presentationml/2006/main">
   <p:cSld>
     <p:spTree>
@@ -20302,7 +20366,7 @@
 </p:sld>
 </file>
 
-<file path=ppt/slides/slide21.xml><?xml version="1.0" encoding="utf-8"?>
+<file path=ppt/slides/slide22.xml><?xml version="1.0" encoding="utf-8"?>
 <p:sld xmlns:a="http://schemas.openxmlformats.org/drawingml/2006/main" xmlns:r="http://schemas.openxmlformats.org/officeDocument/2006/relationships" xmlns:p="http://schemas.openxmlformats.org/presentationml/2006/main">
   <p:cSld>
     <p:spTree>
@@ -20409,7 +20473,7 @@
                 <a:cs typeface="Arial" panose="020B0604020202020204" pitchFamily="34" charset="0"/>
               </a:rPr>
               <a:pPr/>
-              <a:t>5/6/2024</a:t>
+              <a:t>5/13/2024</a:t>
             </a:fld>
             <a:endParaRPr lang="en-US" dirty="0">
               <a:solidFill>
@@ -20450,7 +20514,7 @@
                 <a:latin typeface="Century Schoolbook"/>
               </a:rPr>
               <a:pPr/>
-              <a:t>21</a:t>
+              <a:t>22</a:t>
             </a:fld>
             <a:endParaRPr lang="en-US" dirty="0">
               <a:solidFill>
@@ -20601,7 +20665,7 @@
 </p:sld>
 </file>
 
-<file path=ppt/slides/slide22.xml><?xml version="1.0" encoding="utf-8"?>
+<file path=ppt/slides/slide23.xml><?xml version="1.0" encoding="utf-8"?>
 <p:sld xmlns:a="http://schemas.openxmlformats.org/drawingml/2006/main" xmlns:r="http://schemas.openxmlformats.org/officeDocument/2006/relationships" xmlns:p="http://schemas.openxmlformats.org/presentationml/2006/main">
   <p:cSld>
     <p:spTree>
@@ -20708,7 +20772,7 @@
                 <a:cs typeface="Arial" panose="020B0604020202020204" pitchFamily="34" charset="0"/>
               </a:rPr>
               <a:pPr/>
-              <a:t>5/6/2024</a:t>
+              <a:t>5/13/2024</a:t>
             </a:fld>
             <a:endParaRPr lang="en-US" dirty="0">
               <a:solidFill>
@@ -20749,7 +20813,7 @@
                 <a:latin typeface="Century Schoolbook"/>
               </a:rPr>
               <a:pPr/>
-              <a:t>22</a:t>
+              <a:t>23</a:t>
             </a:fld>
             <a:endParaRPr lang="en-US" dirty="0">
               <a:solidFill>
@@ -20983,7 +21047,7 @@
 </p:sld>
 </file>
 
-<file path=ppt/slides/slide23.xml><?xml version="1.0" encoding="utf-8"?>
+<file path=ppt/slides/slide24.xml><?xml version="1.0" encoding="utf-8"?>
 <p:sld xmlns:a="http://schemas.openxmlformats.org/drawingml/2006/main" xmlns:r="http://schemas.openxmlformats.org/officeDocument/2006/relationships" xmlns:p="http://schemas.openxmlformats.org/presentationml/2006/main">
   <p:cSld>
     <p:spTree>
@@ -21052,7 +21116,7 @@
 </p:sld>
 </file>
 
-<file path=ppt/slides/slide24.xml><?xml version="1.0" encoding="utf-8"?>
+<file path=ppt/slides/slide25.xml><?xml version="1.0" encoding="utf-8"?>
 <p:sld xmlns:a="http://schemas.openxmlformats.org/drawingml/2006/main" xmlns:r="http://schemas.openxmlformats.org/officeDocument/2006/relationships" xmlns:p="http://schemas.openxmlformats.org/presentationml/2006/main">
   <p:cSld>
     <p:spTree>
@@ -21159,7 +21223,7 @@
                 <a:cs typeface="Arial" panose="020B0604020202020204" pitchFamily="34" charset="0"/>
               </a:rPr>
               <a:pPr/>
-              <a:t>5/6/2024</a:t>
+              <a:t>5/13/2024</a:t>
             </a:fld>
             <a:endParaRPr lang="en-US" dirty="0">
               <a:solidFill>
@@ -21200,7 +21264,7 @@
                 <a:latin typeface="Century Schoolbook"/>
               </a:rPr>
               <a:pPr/>
-              <a:t>24</a:t>
+              <a:t>25</a:t>
             </a:fld>
             <a:endParaRPr lang="en-US" dirty="0">
               <a:solidFill>
@@ -21351,452 +21415,6 @@
 </p:sld>
 </file>
 
-<file path=ppt/slides/slide25.xml><?xml version="1.0" encoding="utf-8"?>
-<p:sld xmlns:a="http://schemas.openxmlformats.org/drawingml/2006/main" xmlns:r="http://schemas.openxmlformats.org/officeDocument/2006/relationships" xmlns:p="http://schemas.openxmlformats.org/presentationml/2006/main">
-  <p:cSld>
-    <p:spTree>
-      <p:nvGrpSpPr>
-        <p:cNvPr id="1" name=""/>
-        <p:cNvGrpSpPr/>
-        <p:nvPr/>
-      </p:nvGrpSpPr>
-      <p:grpSpPr>
-        <a:xfrm>
-          <a:off x="0" y="0"/>
-          <a:ext cx="0" cy="0"/>
-          <a:chOff x="0" y="0"/>
-          <a:chExt cx="0" cy="0"/>
-        </a:xfrm>
-      </p:grpSpPr>
-      <p:sp>
-        <p:nvSpPr>
-          <p:cNvPr id="4" name="文字版面配置區 2"/>
-          <p:cNvSpPr txBox="1">
-            <a:spLocks/>
-          </p:cNvSpPr>
-          <p:nvPr/>
-        </p:nvSpPr>
-        <p:spPr>
-          <a:xfrm>
-            <a:off x="1524000" y="228600"/>
-            <a:ext cx="6877050" cy="990600"/>
-          </a:xfrm>
-          <a:prstGeom prst="rect">
-            <a:avLst/>
-          </a:prstGeom>
-        </p:spPr>
-        <p:txBody>
-          <a:bodyPr tIns="91440" bIns="91440" anchor="b" anchorCtr="0">
-            <a:noAutofit/>
-          </a:bodyPr>
-          <a:lstStyle/>
-          <a:p>
-            <a:r>
-              <a:rPr kumimoji="1" lang="en-US" altLang="zh-TW" sz="4800" b="1" dirty="0">
-                <a:solidFill>
-                  <a:srgbClr val="00B0F0"/>
-                </a:solidFill>
-                <a:effectLst>
-                  <a:outerShdw blurRad="38100" dist="38100" dir="2700000" algn="tl">
-                    <a:srgbClr val="000000">
-                      <a:alpha val="43137"/>
-                    </a:srgbClr>
-                  </a:outerShdw>
-                </a:effectLst>
-                <a:latin typeface="微軟正黑體" panose="020B0604030504040204" pitchFamily="34" charset="-120"/>
-                <a:ea typeface="微軟正黑體" panose="020B0604030504040204" pitchFamily="34" charset="-120"/>
-                <a:cs typeface="Heiti TC Light"/>
-              </a:rPr>
-              <a:t>NLP</a:t>
-            </a:r>
-            <a:r>
-              <a:rPr kumimoji="1" lang="zh-TW" altLang="en-US" sz="4800" b="1" dirty="0">
-                <a:solidFill>
-                  <a:srgbClr val="00B0F0"/>
-                </a:solidFill>
-                <a:effectLst>
-                  <a:outerShdw blurRad="38100" dist="38100" dir="2700000" algn="tl">
-                    <a:srgbClr val="000000">
-                      <a:alpha val="43137"/>
-                    </a:srgbClr>
-                  </a:outerShdw>
-                </a:effectLst>
-                <a:latin typeface="微軟正黑體" panose="020B0604030504040204" pitchFamily="34" charset="-120"/>
-                <a:ea typeface="微軟正黑體" panose="020B0604030504040204" pitchFamily="34" charset="-120"/>
-                <a:cs typeface="Heiti TC Light"/>
-              </a:rPr>
-              <a:t>任務均為文字生成</a:t>
-            </a:r>
-            <a:endParaRPr kumimoji="1" lang="en-US" altLang="zh-TW" sz="4800" b="1" dirty="0">
-              <a:solidFill>
-                <a:srgbClr val="00B0F0"/>
-              </a:solidFill>
-              <a:effectLst>
-                <a:outerShdw blurRad="38100" dist="38100" dir="2700000" algn="tl">
-                  <a:srgbClr val="000000">
-                    <a:alpha val="43137"/>
-                  </a:srgbClr>
-                </a:outerShdw>
-              </a:effectLst>
-              <a:latin typeface="微軟正黑體" panose="020B0604030504040204" pitchFamily="34" charset="-120"/>
-              <a:ea typeface="微軟正黑體" panose="020B0604030504040204" pitchFamily="34" charset="-120"/>
-              <a:cs typeface="Heiti TC Light"/>
-            </a:endParaRPr>
-          </a:p>
-        </p:txBody>
-      </p:sp>
-      <p:sp>
-        <p:nvSpPr>
-          <p:cNvPr id="3" name="日期版面配置區 2">
-            <a:extLst>
-              <a:ext uri="{FF2B5EF4-FFF2-40B4-BE49-F238E27FC236}">
-                <a16:creationId xmlns:a16="http://schemas.microsoft.com/office/drawing/2014/main" id="{1C536CB5-3C58-6CF1-767E-952B76F12DEE}"/>
-              </a:ext>
-            </a:extLst>
-          </p:cNvPr>
-          <p:cNvSpPr>
-            <a:spLocks noGrp="1"/>
-          </p:cNvSpPr>
-          <p:nvPr>
-            <p:ph type="dt" sz="half" idx="12"/>
-          </p:nvPr>
-        </p:nvSpPr>
-        <p:spPr/>
-        <p:txBody>
-          <a:bodyPr/>
-          <a:lstStyle/>
-          <a:p>
-            <a:fld id="{0B520B05-2240-4566-BE2A-9338980FE8EB}" type="datetime1">
-              <a:rPr lang="en-US" altLang="zh-TW">
-                <a:solidFill>
-                  <a:srgbClr val="D4D2D0"/>
-                </a:solidFill>
-                <a:latin typeface="Arial" panose="020B0604020202020204" pitchFamily="34" charset="0"/>
-                <a:ea typeface="新細明體" panose="02020500000000000000" pitchFamily="18" charset="-120"/>
-                <a:cs typeface="Arial" panose="020B0604020202020204" pitchFamily="34" charset="0"/>
-              </a:rPr>
-              <a:pPr/>
-              <a:t>5/6/2024</a:t>
-            </a:fld>
-            <a:endParaRPr lang="en-US" dirty="0">
-              <a:solidFill>
-                <a:srgbClr val="D4D2D0"/>
-              </a:solidFill>
-              <a:latin typeface="Arial" panose="020B0604020202020204" pitchFamily="34" charset="0"/>
-              <a:cs typeface="Arial" panose="020B0604020202020204" pitchFamily="34" charset="0"/>
-            </a:endParaRPr>
-          </a:p>
-        </p:txBody>
-      </p:sp>
-      <p:sp>
-        <p:nvSpPr>
-          <p:cNvPr id="7" name="投影片編號版面配置區 6">
-            <a:extLst>
-              <a:ext uri="{FF2B5EF4-FFF2-40B4-BE49-F238E27FC236}">
-                <a16:creationId xmlns:a16="http://schemas.microsoft.com/office/drawing/2014/main" id="{DA316F56-AF12-D872-611F-78AE7ACCBF93}"/>
-              </a:ext>
-            </a:extLst>
-          </p:cNvPr>
-          <p:cNvSpPr>
-            <a:spLocks noGrp="1"/>
-          </p:cNvSpPr>
-          <p:nvPr>
-            <p:ph type="sldNum" sz="quarter" idx="13"/>
-          </p:nvPr>
-        </p:nvSpPr>
-        <p:spPr/>
-        <p:txBody>
-          <a:bodyPr/>
-          <a:lstStyle/>
-          <a:p>
-            <a:fld id="{F99EC173-99AE-4773-AB25-02E469A13EAE}" type="slidenum">
-              <a:rPr lang="en-US">
-                <a:solidFill>
-                  <a:srgbClr val="D4D2D0"/>
-                </a:solidFill>
-                <a:latin typeface="Century Schoolbook"/>
-              </a:rPr>
-              <a:pPr/>
-              <a:t>25</a:t>
-            </a:fld>
-            <a:endParaRPr lang="en-US" dirty="0">
-              <a:solidFill>
-                <a:srgbClr val="D4D2D0"/>
-              </a:solidFill>
-              <a:latin typeface="Century Schoolbook"/>
-            </a:endParaRPr>
-          </a:p>
-        </p:txBody>
-      </p:sp>
-      <p:sp>
-        <p:nvSpPr>
-          <p:cNvPr id="6" name="文字方塊 5">
-            <a:extLst>
-              <a:ext uri="{FF2B5EF4-FFF2-40B4-BE49-F238E27FC236}">
-                <a16:creationId xmlns:a16="http://schemas.microsoft.com/office/drawing/2014/main" id="{D0936716-FD03-817D-536C-23A30E9C2C7C}"/>
-              </a:ext>
-            </a:extLst>
-          </p:cNvPr>
-          <p:cNvSpPr txBox="1"/>
-          <p:nvPr/>
-        </p:nvSpPr>
-        <p:spPr>
-          <a:xfrm>
-            <a:off x="609600" y="1524002"/>
-            <a:ext cx="8229600" cy="4524315"/>
-          </a:xfrm>
-          <a:prstGeom prst="rect">
-            <a:avLst/>
-          </a:prstGeom>
-          <a:noFill/>
-        </p:spPr>
-        <p:txBody>
-          <a:bodyPr wrap="square">
-            <a:spAutoFit/>
-          </a:bodyPr>
-          <a:lstStyle/>
-          <a:p>
-            <a:pPr marL="457200" indent="-457200">
-              <a:buFont typeface="Arial" panose="020B0604020202020204" pitchFamily="34" charset="0"/>
-              <a:buChar char="•"/>
-            </a:pPr>
-            <a:r>
-              <a:rPr lang="en-US" altLang="zh-TW" sz="3200" dirty="0">
-                <a:solidFill>
-                  <a:prstClr val="white"/>
-                </a:solidFill>
-                <a:latin typeface="微軟正黑體" panose="020B0604030504040204" pitchFamily="34" charset="-120"/>
-                <a:ea typeface="微軟正黑體" panose="020B0604030504040204" pitchFamily="34" charset="-120"/>
-              </a:rPr>
-              <a:t>NLP</a:t>
-            </a:r>
-            <a:r>
-              <a:rPr lang="zh-TW" altLang="en-US" sz="3200" dirty="0">
-                <a:solidFill>
-                  <a:prstClr val="white"/>
-                </a:solidFill>
-                <a:latin typeface="微軟正黑體" panose="020B0604030504040204" pitchFamily="34" charset="-120"/>
-                <a:ea typeface="微軟正黑體" panose="020B0604030504040204" pitchFamily="34" charset="-120"/>
-              </a:rPr>
-              <a:t>的任務不外乎那幾種，分類，生成，</a:t>
-            </a:r>
-            <a:r>
-              <a:rPr lang="en-US" altLang="zh-TW" sz="3200" dirty="0">
-                <a:solidFill>
-                  <a:prstClr val="white"/>
-                </a:solidFill>
-                <a:latin typeface="微軟正黑體" panose="020B0604030504040204" pitchFamily="34" charset="-120"/>
-                <a:ea typeface="微軟正黑體" panose="020B0604030504040204" pitchFamily="34" charset="-120"/>
-              </a:rPr>
-              <a:t>NER</a:t>
-            </a:r>
-            <a:r>
-              <a:rPr lang="zh-TW" altLang="en-US" sz="3200" dirty="0">
-                <a:solidFill>
-                  <a:prstClr val="white"/>
-                </a:solidFill>
-                <a:latin typeface="微軟正黑體" panose="020B0604030504040204" pitchFamily="34" charset="-120"/>
-                <a:ea typeface="微軟正黑體" panose="020B0604030504040204" pitchFamily="34" charset="-120"/>
-              </a:rPr>
-              <a:t>、摘要</a:t>
-            </a:r>
-            <a:r>
-              <a:rPr lang="en-US" altLang="zh-TW" sz="3200" dirty="0">
-                <a:solidFill>
-                  <a:prstClr val="white"/>
-                </a:solidFill>
-                <a:latin typeface="微軟正黑體" panose="020B0604030504040204" pitchFamily="34" charset="-120"/>
-                <a:ea typeface="微軟正黑體" panose="020B0604030504040204" pitchFamily="34" charset="-120"/>
-              </a:rPr>
-              <a:t>......</a:t>
-            </a:r>
-          </a:p>
-          <a:p>
-            <a:pPr marL="457200" indent="-457200">
-              <a:buFont typeface="Arial" panose="020B0604020202020204" pitchFamily="34" charset="0"/>
-              <a:buChar char="•"/>
-            </a:pPr>
-            <a:r>
-              <a:rPr lang="zh-TW" altLang="en-US" sz="3200" dirty="0">
-                <a:solidFill>
-                  <a:prstClr val="white"/>
-                </a:solidFill>
-                <a:latin typeface="微軟正黑體" panose="020B0604030504040204" pitchFamily="34" charset="-120"/>
-                <a:ea typeface="微軟正黑體" panose="020B0604030504040204" pitchFamily="34" charset="-120"/>
-              </a:rPr>
-              <a:t>使用</a:t>
-            </a:r>
-            <a:r>
-              <a:rPr lang="en-US" altLang="zh-TW" sz="3200" dirty="0">
-                <a:solidFill>
-                  <a:prstClr val="white"/>
-                </a:solidFill>
-                <a:latin typeface="微軟正黑體" panose="020B0604030504040204" pitchFamily="34" charset="-120"/>
-                <a:ea typeface="微軟正黑體" panose="020B0604030504040204" pitchFamily="34" charset="-120"/>
-              </a:rPr>
-              <a:t>PLM+FT</a:t>
-            </a:r>
-            <a:r>
-              <a:rPr lang="zh-TW" altLang="en-US" sz="3200" dirty="0">
-                <a:solidFill>
-                  <a:prstClr val="white"/>
-                </a:solidFill>
-                <a:latin typeface="微軟正黑體" panose="020B0604030504040204" pitchFamily="34" charset="-120"/>
-                <a:ea typeface="微軟正黑體" panose="020B0604030504040204" pitchFamily="34" charset="-120"/>
-              </a:rPr>
-              <a:t>的方式來針對不同的任務</a:t>
-            </a:r>
-            <a:endParaRPr lang="en-US" altLang="zh-TW" sz="3200" dirty="0">
-              <a:solidFill>
-                <a:prstClr val="white"/>
-              </a:solidFill>
-              <a:latin typeface="微軟正黑體" panose="020B0604030504040204" pitchFamily="34" charset="-120"/>
-              <a:ea typeface="微軟正黑體" panose="020B0604030504040204" pitchFamily="34" charset="-120"/>
-            </a:endParaRPr>
-          </a:p>
-          <a:p>
-            <a:pPr marL="457200" indent="-457200">
-              <a:buFont typeface="Arial" panose="020B0604020202020204" pitchFamily="34" charset="0"/>
-              <a:buChar char="•"/>
-            </a:pPr>
-            <a:r>
-              <a:rPr lang="zh-TW" altLang="en-US" sz="3200" dirty="0">
-                <a:solidFill>
-                  <a:prstClr val="white"/>
-                </a:solidFill>
-                <a:latin typeface="微軟正黑體" panose="020B0604030504040204" pitchFamily="34" charset="-120"/>
-                <a:ea typeface="微軟正黑體" panose="020B0604030504040204" pitchFamily="34" charset="-120"/>
-              </a:rPr>
-              <a:t>仔細看這些任務，不管是分類還是迴歸，怎麼樣都是「產生」出一個「結果」</a:t>
-            </a:r>
-            <a:endParaRPr lang="en-US" altLang="zh-TW" sz="3200" dirty="0">
-              <a:solidFill>
-                <a:prstClr val="white"/>
-              </a:solidFill>
-              <a:latin typeface="微軟正黑體" panose="020B0604030504040204" pitchFamily="34" charset="-120"/>
-              <a:ea typeface="微軟正黑體" panose="020B0604030504040204" pitchFamily="34" charset="-120"/>
-            </a:endParaRPr>
-          </a:p>
-          <a:p>
-            <a:pPr marL="457200" indent="-457200">
-              <a:buFont typeface="Arial" panose="020B0604020202020204" pitchFamily="34" charset="0"/>
-              <a:buChar char="•"/>
-            </a:pPr>
-            <a:r>
-              <a:rPr lang="zh-TW" altLang="en-US" sz="3200" dirty="0">
-                <a:solidFill>
-                  <a:prstClr val="white"/>
-                </a:solidFill>
-                <a:latin typeface="微軟正黑體" panose="020B0604030504040204" pitchFamily="34" charset="-120"/>
-                <a:ea typeface="微軟正黑體" panose="020B0604030504040204" pitchFamily="34" charset="-120"/>
-              </a:rPr>
-              <a:t>這個「結果」怎麼樣都是一個文字或符號</a:t>
-            </a:r>
-            <a:endParaRPr lang="en-US" altLang="zh-TW" sz="3200" dirty="0">
-              <a:solidFill>
-                <a:prstClr val="white"/>
-              </a:solidFill>
-              <a:latin typeface="微軟正黑體" panose="020B0604030504040204" pitchFamily="34" charset="-120"/>
-              <a:ea typeface="微軟正黑體" panose="020B0604030504040204" pitchFamily="34" charset="-120"/>
-            </a:endParaRPr>
-          </a:p>
-          <a:p>
-            <a:pPr marL="457200" indent="-457200">
-              <a:buFont typeface="Arial" panose="020B0604020202020204" pitchFamily="34" charset="0"/>
-              <a:buChar char="•"/>
-            </a:pPr>
-            <a:r>
-              <a:rPr lang="zh-TW" altLang="en-US" sz="3200" dirty="0">
-                <a:solidFill>
-                  <a:prstClr val="white"/>
-                </a:solidFill>
-                <a:latin typeface="微軟正黑體" panose="020B0604030504040204" pitchFamily="34" charset="-120"/>
-                <a:ea typeface="微軟正黑體" panose="020B0604030504040204" pitchFamily="34" charset="-120"/>
-              </a:rPr>
-              <a:t>那就把所有的任務都用文字輸出</a:t>
-            </a:r>
-            <a:endParaRPr lang="en-US" altLang="zh-TW" sz="3200" dirty="0">
-              <a:solidFill>
-                <a:prstClr val="white"/>
-              </a:solidFill>
-              <a:latin typeface="微軟正黑體" panose="020B0604030504040204" pitchFamily="34" charset="-120"/>
-              <a:ea typeface="微軟正黑體" panose="020B0604030504040204" pitchFamily="34" charset="-120"/>
-            </a:endParaRPr>
-          </a:p>
-          <a:p>
-            <a:pPr marL="457200" indent="-457200">
-              <a:buFont typeface="Arial" panose="020B0604020202020204" pitchFamily="34" charset="0"/>
-              <a:buChar char="•"/>
-            </a:pPr>
-            <a:r>
-              <a:rPr lang="zh-TW" altLang="en-US" sz="3200" dirty="0">
-                <a:solidFill>
-                  <a:prstClr val="white"/>
-                </a:solidFill>
-                <a:latin typeface="微軟正黑體" panose="020B0604030504040204" pitchFamily="34" charset="-120"/>
-                <a:ea typeface="微軟正黑體" panose="020B0604030504040204" pitchFamily="34" charset="-120"/>
-              </a:rPr>
-              <a:t>試著做一個</a:t>
-            </a:r>
-            <a:r>
-              <a:rPr lang="en-US" altLang="zh-TW" sz="3200" dirty="0">
-                <a:solidFill>
-                  <a:prstClr val="white"/>
-                </a:solidFill>
-                <a:latin typeface="微軟正黑體" panose="020B0604030504040204" pitchFamily="34" charset="-120"/>
-                <a:ea typeface="微軟正黑體" panose="020B0604030504040204" pitchFamily="34" charset="-120"/>
-              </a:rPr>
-              <a:t>PLM</a:t>
-            </a:r>
-            <a:r>
-              <a:rPr lang="zh-TW" altLang="en-US" sz="3200" dirty="0">
-                <a:solidFill>
-                  <a:prstClr val="white"/>
-                </a:solidFill>
-                <a:latin typeface="微軟正黑體" panose="020B0604030504040204" pitchFamily="34" charset="-120"/>
-                <a:ea typeface="微軟正黑體" panose="020B0604030504040204" pitchFamily="34" charset="-120"/>
-              </a:rPr>
-              <a:t>來進行各種任務</a:t>
-            </a:r>
-            <a:endParaRPr lang="en-US" altLang="zh-TW" sz="3200" dirty="0">
-              <a:solidFill>
-                <a:prstClr val="white"/>
-              </a:solidFill>
-              <a:latin typeface="微軟正黑體" panose="020B0604030504040204" pitchFamily="34" charset="-120"/>
-              <a:ea typeface="微軟正黑體" panose="020B0604030504040204" pitchFamily="34" charset="-120"/>
-            </a:endParaRPr>
-          </a:p>
-          <a:p>
-            <a:pPr marL="457200" indent="-457200">
-              <a:buFont typeface="Arial" panose="020B0604020202020204" pitchFamily="34" charset="0"/>
-              <a:buChar char="•"/>
-            </a:pPr>
-            <a:endParaRPr lang="en-US" altLang="zh-TW" sz="3200" dirty="0">
-              <a:solidFill>
-                <a:prstClr val="white"/>
-              </a:solidFill>
-              <a:latin typeface="微軟正黑體" panose="020B0604030504040204" pitchFamily="34" charset="-120"/>
-              <a:ea typeface="微軟正黑體" panose="020B0604030504040204" pitchFamily="34" charset="-120"/>
-            </a:endParaRPr>
-          </a:p>
-        </p:txBody>
-      </p:sp>
-    </p:spTree>
-    <p:extLst>
-      <p:ext uri="{BB962C8B-B14F-4D97-AF65-F5344CB8AC3E}">
-        <p14:creationId xmlns:p14="http://schemas.microsoft.com/office/powerpoint/2010/main" val="4131434619"/>
-      </p:ext>
-    </p:extLst>
-  </p:cSld>
-  <p:clrMapOvr>
-    <a:masterClrMapping/>
-  </p:clrMapOvr>
-  <p:transition>
-    <p:fade/>
-  </p:transition>
-</p:sld>
-</file>
-
 <file path=ppt/slides/slide26.xml><?xml version="1.0" encoding="utf-8"?>
 <p:sld xmlns:a="http://schemas.openxmlformats.org/drawingml/2006/main" xmlns:r="http://schemas.openxmlformats.org/officeDocument/2006/relationships" xmlns:p="http://schemas.openxmlformats.org/presentationml/2006/main">
   <p:cSld>
@@ -21922,7 +21540,7 @@
                 <a:cs typeface="Arial" panose="020B0604020202020204" pitchFamily="34" charset="0"/>
               </a:rPr>
               <a:pPr/>
-              <a:t>5/6/2024</a:t>
+              <a:t>5/13/2024</a:t>
             </a:fld>
             <a:endParaRPr lang="en-US" dirty="0">
               <a:solidFill>
@@ -21964,6 +21582,452 @@
               </a:rPr>
               <a:pPr/>
               <a:t>26</a:t>
+            </a:fld>
+            <a:endParaRPr lang="en-US" dirty="0">
+              <a:solidFill>
+                <a:srgbClr val="D4D2D0"/>
+              </a:solidFill>
+              <a:latin typeface="Century Schoolbook"/>
+            </a:endParaRPr>
+          </a:p>
+        </p:txBody>
+      </p:sp>
+      <p:sp>
+        <p:nvSpPr>
+          <p:cNvPr id="6" name="文字方塊 5">
+            <a:extLst>
+              <a:ext uri="{FF2B5EF4-FFF2-40B4-BE49-F238E27FC236}">
+                <a16:creationId xmlns:a16="http://schemas.microsoft.com/office/drawing/2014/main" id="{D0936716-FD03-817D-536C-23A30E9C2C7C}"/>
+              </a:ext>
+            </a:extLst>
+          </p:cNvPr>
+          <p:cNvSpPr txBox="1"/>
+          <p:nvPr/>
+        </p:nvSpPr>
+        <p:spPr>
+          <a:xfrm>
+            <a:off x="609600" y="1524002"/>
+            <a:ext cx="8229600" cy="4524315"/>
+          </a:xfrm>
+          <a:prstGeom prst="rect">
+            <a:avLst/>
+          </a:prstGeom>
+          <a:noFill/>
+        </p:spPr>
+        <p:txBody>
+          <a:bodyPr wrap="square">
+            <a:spAutoFit/>
+          </a:bodyPr>
+          <a:lstStyle/>
+          <a:p>
+            <a:pPr marL="457200" indent="-457200">
+              <a:buFont typeface="Arial" panose="020B0604020202020204" pitchFamily="34" charset="0"/>
+              <a:buChar char="•"/>
+            </a:pPr>
+            <a:r>
+              <a:rPr lang="en-US" altLang="zh-TW" sz="3200" dirty="0">
+                <a:solidFill>
+                  <a:prstClr val="white"/>
+                </a:solidFill>
+                <a:latin typeface="微軟正黑體" panose="020B0604030504040204" pitchFamily="34" charset="-120"/>
+                <a:ea typeface="微軟正黑體" panose="020B0604030504040204" pitchFamily="34" charset="-120"/>
+              </a:rPr>
+              <a:t>NLP</a:t>
+            </a:r>
+            <a:r>
+              <a:rPr lang="zh-TW" altLang="en-US" sz="3200" dirty="0">
+                <a:solidFill>
+                  <a:prstClr val="white"/>
+                </a:solidFill>
+                <a:latin typeface="微軟正黑體" panose="020B0604030504040204" pitchFamily="34" charset="-120"/>
+                <a:ea typeface="微軟正黑體" panose="020B0604030504040204" pitchFamily="34" charset="-120"/>
+              </a:rPr>
+              <a:t>的任務不外乎那幾種，分類，生成，</a:t>
+            </a:r>
+            <a:r>
+              <a:rPr lang="en-US" altLang="zh-TW" sz="3200" dirty="0">
+                <a:solidFill>
+                  <a:prstClr val="white"/>
+                </a:solidFill>
+                <a:latin typeface="微軟正黑體" panose="020B0604030504040204" pitchFamily="34" charset="-120"/>
+                <a:ea typeface="微軟正黑體" panose="020B0604030504040204" pitchFamily="34" charset="-120"/>
+              </a:rPr>
+              <a:t>NER</a:t>
+            </a:r>
+            <a:r>
+              <a:rPr lang="zh-TW" altLang="en-US" sz="3200" dirty="0">
+                <a:solidFill>
+                  <a:prstClr val="white"/>
+                </a:solidFill>
+                <a:latin typeface="微軟正黑體" panose="020B0604030504040204" pitchFamily="34" charset="-120"/>
+                <a:ea typeface="微軟正黑體" panose="020B0604030504040204" pitchFamily="34" charset="-120"/>
+              </a:rPr>
+              <a:t>、摘要</a:t>
+            </a:r>
+            <a:r>
+              <a:rPr lang="en-US" altLang="zh-TW" sz="3200" dirty="0">
+                <a:solidFill>
+                  <a:prstClr val="white"/>
+                </a:solidFill>
+                <a:latin typeface="微軟正黑體" panose="020B0604030504040204" pitchFamily="34" charset="-120"/>
+                <a:ea typeface="微軟正黑體" panose="020B0604030504040204" pitchFamily="34" charset="-120"/>
+              </a:rPr>
+              <a:t>......</a:t>
+            </a:r>
+          </a:p>
+          <a:p>
+            <a:pPr marL="457200" indent="-457200">
+              <a:buFont typeface="Arial" panose="020B0604020202020204" pitchFamily="34" charset="0"/>
+              <a:buChar char="•"/>
+            </a:pPr>
+            <a:r>
+              <a:rPr lang="zh-TW" altLang="en-US" sz="3200" dirty="0">
+                <a:solidFill>
+                  <a:prstClr val="white"/>
+                </a:solidFill>
+                <a:latin typeface="微軟正黑體" panose="020B0604030504040204" pitchFamily="34" charset="-120"/>
+                <a:ea typeface="微軟正黑體" panose="020B0604030504040204" pitchFamily="34" charset="-120"/>
+              </a:rPr>
+              <a:t>使用</a:t>
+            </a:r>
+            <a:r>
+              <a:rPr lang="en-US" altLang="zh-TW" sz="3200" dirty="0">
+                <a:solidFill>
+                  <a:prstClr val="white"/>
+                </a:solidFill>
+                <a:latin typeface="微軟正黑體" panose="020B0604030504040204" pitchFamily="34" charset="-120"/>
+                <a:ea typeface="微軟正黑體" panose="020B0604030504040204" pitchFamily="34" charset="-120"/>
+              </a:rPr>
+              <a:t>PLM+FT</a:t>
+            </a:r>
+            <a:r>
+              <a:rPr lang="zh-TW" altLang="en-US" sz="3200" dirty="0">
+                <a:solidFill>
+                  <a:prstClr val="white"/>
+                </a:solidFill>
+                <a:latin typeface="微軟正黑體" panose="020B0604030504040204" pitchFamily="34" charset="-120"/>
+                <a:ea typeface="微軟正黑體" panose="020B0604030504040204" pitchFamily="34" charset="-120"/>
+              </a:rPr>
+              <a:t>的方式來針對不同的任務</a:t>
+            </a:r>
+            <a:endParaRPr lang="en-US" altLang="zh-TW" sz="3200" dirty="0">
+              <a:solidFill>
+                <a:prstClr val="white"/>
+              </a:solidFill>
+              <a:latin typeface="微軟正黑體" panose="020B0604030504040204" pitchFamily="34" charset="-120"/>
+              <a:ea typeface="微軟正黑體" panose="020B0604030504040204" pitchFamily="34" charset="-120"/>
+            </a:endParaRPr>
+          </a:p>
+          <a:p>
+            <a:pPr marL="457200" indent="-457200">
+              <a:buFont typeface="Arial" panose="020B0604020202020204" pitchFamily="34" charset="0"/>
+              <a:buChar char="•"/>
+            </a:pPr>
+            <a:r>
+              <a:rPr lang="zh-TW" altLang="en-US" sz="3200" dirty="0">
+                <a:solidFill>
+                  <a:prstClr val="white"/>
+                </a:solidFill>
+                <a:latin typeface="微軟正黑體" panose="020B0604030504040204" pitchFamily="34" charset="-120"/>
+                <a:ea typeface="微軟正黑體" panose="020B0604030504040204" pitchFamily="34" charset="-120"/>
+              </a:rPr>
+              <a:t>仔細看這些任務，不管是分類還是迴歸，怎麼樣都是「產生」出一個「結果」</a:t>
+            </a:r>
+            <a:endParaRPr lang="en-US" altLang="zh-TW" sz="3200" dirty="0">
+              <a:solidFill>
+                <a:prstClr val="white"/>
+              </a:solidFill>
+              <a:latin typeface="微軟正黑體" panose="020B0604030504040204" pitchFamily="34" charset="-120"/>
+              <a:ea typeface="微軟正黑體" panose="020B0604030504040204" pitchFamily="34" charset="-120"/>
+            </a:endParaRPr>
+          </a:p>
+          <a:p>
+            <a:pPr marL="457200" indent="-457200">
+              <a:buFont typeface="Arial" panose="020B0604020202020204" pitchFamily="34" charset="0"/>
+              <a:buChar char="•"/>
+            </a:pPr>
+            <a:r>
+              <a:rPr lang="zh-TW" altLang="en-US" sz="3200" dirty="0">
+                <a:solidFill>
+                  <a:prstClr val="white"/>
+                </a:solidFill>
+                <a:latin typeface="微軟正黑體" panose="020B0604030504040204" pitchFamily="34" charset="-120"/>
+                <a:ea typeface="微軟正黑體" panose="020B0604030504040204" pitchFamily="34" charset="-120"/>
+              </a:rPr>
+              <a:t>這個「結果」怎麼樣都是一個文字或符號</a:t>
+            </a:r>
+            <a:endParaRPr lang="en-US" altLang="zh-TW" sz="3200" dirty="0">
+              <a:solidFill>
+                <a:prstClr val="white"/>
+              </a:solidFill>
+              <a:latin typeface="微軟正黑體" panose="020B0604030504040204" pitchFamily="34" charset="-120"/>
+              <a:ea typeface="微軟正黑體" panose="020B0604030504040204" pitchFamily="34" charset="-120"/>
+            </a:endParaRPr>
+          </a:p>
+          <a:p>
+            <a:pPr marL="457200" indent="-457200">
+              <a:buFont typeface="Arial" panose="020B0604020202020204" pitchFamily="34" charset="0"/>
+              <a:buChar char="•"/>
+            </a:pPr>
+            <a:r>
+              <a:rPr lang="zh-TW" altLang="en-US" sz="3200" dirty="0">
+                <a:solidFill>
+                  <a:prstClr val="white"/>
+                </a:solidFill>
+                <a:latin typeface="微軟正黑體" panose="020B0604030504040204" pitchFamily="34" charset="-120"/>
+                <a:ea typeface="微軟正黑體" panose="020B0604030504040204" pitchFamily="34" charset="-120"/>
+              </a:rPr>
+              <a:t>那就把所有的任務都用文字輸出</a:t>
+            </a:r>
+            <a:endParaRPr lang="en-US" altLang="zh-TW" sz="3200" dirty="0">
+              <a:solidFill>
+                <a:prstClr val="white"/>
+              </a:solidFill>
+              <a:latin typeface="微軟正黑體" panose="020B0604030504040204" pitchFamily="34" charset="-120"/>
+              <a:ea typeface="微軟正黑體" panose="020B0604030504040204" pitchFamily="34" charset="-120"/>
+            </a:endParaRPr>
+          </a:p>
+          <a:p>
+            <a:pPr marL="457200" indent="-457200">
+              <a:buFont typeface="Arial" panose="020B0604020202020204" pitchFamily="34" charset="0"/>
+              <a:buChar char="•"/>
+            </a:pPr>
+            <a:r>
+              <a:rPr lang="zh-TW" altLang="en-US" sz="3200" dirty="0">
+                <a:solidFill>
+                  <a:prstClr val="white"/>
+                </a:solidFill>
+                <a:latin typeface="微軟正黑體" panose="020B0604030504040204" pitchFamily="34" charset="-120"/>
+                <a:ea typeface="微軟正黑體" panose="020B0604030504040204" pitchFamily="34" charset="-120"/>
+              </a:rPr>
+              <a:t>試著做一個</a:t>
+            </a:r>
+            <a:r>
+              <a:rPr lang="en-US" altLang="zh-TW" sz="3200" dirty="0">
+                <a:solidFill>
+                  <a:prstClr val="white"/>
+                </a:solidFill>
+                <a:latin typeface="微軟正黑體" panose="020B0604030504040204" pitchFamily="34" charset="-120"/>
+                <a:ea typeface="微軟正黑體" panose="020B0604030504040204" pitchFamily="34" charset="-120"/>
+              </a:rPr>
+              <a:t>PLM</a:t>
+            </a:r>
+            <a:r>
+              <a:rPr lang="zh-TW" altLang="en-US" sz="3200" dirty="0">
+                <a:solidFill>
+                  <a:prstClr val="white"/>
+                </a:solidFill>
+                <a:latin typeface="微軟正黑體" panose="020B0604030504040204" pitchFamily="34" charset="-120"/>
+                <a:ea typeface="微軟正黑體" panose="020B0604030504040204" pitchFamily="34" charset="-120"/>
+              </a:rPr>
+              <a:t>來進行各種任務</a:t>
+            </a:r>
+            <a:endParaRPr lang="en-US" altLang="zh-TW" sz="3200" dirty="0">
+              <a:solidFill>
+                <a:prstClr val="white"/>
+              </a:solidFill>
+              <a:latin typeface="微軟正黑體" panose="020B0604030504040204" pitchFamily="34" charset="-120"/>
+              <a:ea typeface="微軟正黑體" panose="020B0604030504040204" pitchFamily="34" charset="-120"/>
+            </a:endParaRPr>
+          </a:p>
+          <a:p>
+            <a:pPr marL="457200" indent="-457200">
+              <a:buFont typeface="Arial" panose="020B0604020202020204" pitchFamily="34" charset="0"/>
+              <a:buChar char="•"/>
+            </a:pPr>
+            <a:endParaRPr lang="en-US" altLang="zh-TW" sz="3200" dirty="0">
+              <a:solidFill>
+                <a:prstClr val="white"/>
+              </a:solidFill>
+              <a:latin typeface="微軟正黑體" panose="020B0604030504040204" pitchFamily="34" charset="-120"/>
+              <a:ea typeface="微軟正黑體" panose="020B0604030504040204" pitchFamily="34" charset="-120"/>
+            </a:endParaRPr>
+          </a:p>
+        </p:txBody>
+      </p:sp>
+    </p:spTree>
+    <p:extLst>
+      <p:ext uri="{BB962C8B-B14F-4D97-AF65-F5344CB8AC3E}">
+        <p14:creationId xmlns:p14="http://schemas.microsoft.com/office/powerpoint/2010/main" val="4131434619"/>
+      </p:ext>
+    </p:extLst>
+  </p:cSld>
+  <p:clrMapOvr>
+    <a:masterClrMapping/>
+  </p:clrMapOvr>
+  <p:transition>
+    <p:fade/>
+  </p:transition>
+</p:sld>
+</file>
+
+<file path=ppt/slides/slide27.xml><?xml version="1.0" encoding="utf-8"?>
+<p:sld xmlns:a="http://schemas.openxmlformats.org/drawingml/2006/main" xmlns:r="http://schemas.openxmlformats.org/officeDocument/2006/relationships" xmlns:p="http://schemas.openxmlformats.org/presentationml/2006/main">
+  <p:cSld>
+    <p:spTree>
+      <p:nvGrpSpPr>
+        <p:cNvPr id="1" name=""/>
+        <p:cNvGrpSpPr/>
+        <p:nvPr/>
+      </p:nvGrpSpPr>
+      <p:grpSpPr>
+        <a:xfrm>
+          <a:off x="0" y="0"/>
+          <a:ext cx="0" cy="0"/>
+          <a:chOff x="0" y="0"/>
+          <a:chExt cx="0" cy="0"/>
+        </a:xfrm>
+      </p:grpSpPr>
+      <p:sp>
+        <p:nvSpPr>
+          <p:cNvPr id="4" name="文字版面配置區 2"/>
+          <p:cNvSpPr txBox="1">
+            <a:spLocks/>
+          </p:cNvSpPr>
+          <p:nvPr/>
+        </p:nvSpPr>
+        <p:spPr>
+          <a:xfrm>
+            <a:off x="1524000" y="228600"/>
+            <a:ext cx="6877050" cy="990600"/>
+          </a:xfrm>
+          <a:prstGeom prst="rect">
+            <a:avLst/>
+          </a:prstGeom>
+        </p:spPr>
+        <p:txBody>
+          <a:bodyPr tIns="91440" bIns="91440" anchor="b" anchorCtr="0">
+            <a:noAutofit/>
+          </a:bodyPr>
+          <a:lstStyle/>
+          <a:p>
+            <a:r>
+              <a:rPr kumimoji="1" lang="en-US" altLang="zh-TW" sz="4800" b="1" dirty="0">
+                <a:solidFill>
+                  <a:srgbClr val="00B0F0"/>
+                </a:solidFill>
+                <a:effectLst>
+                  <a:outerShdw blurRad="38100" dist="38100" dir="2700000" algn="tl">
+                    <a:srgbClr val="000000">
+                      <a:alpha val="43137"/>
+                    </a:srgbClr>
+                  </a:outerShdw>
+                </a:effectLst>
+                <a:latin typeface="微軟正黑體" panose="020B0604030504040204" pitchFamily="34" charset="-120"/>
+                <a:ea typeface="微軟正黑體" panose="020B0604030504040204" pitchFamily="34" charset="-120"/>
+                <a:cs typeface="Heiti TC Light"/>
+              </a:rPr>
+              <a:t>NLP</a:t>
+            </a:r>
+            <a:r>
+              <a:rPr kumimoji="1" lang="zh-TW" altLang="en-US" sz="4800" b="1" dirty="0">
+                <a:solidFill>
+                  <a:srgbClr val="00B0F0"/>
+                </a:solidFill>
+                <a:effectLst>
+                  <a:outerShdw blurRad="38100" dist="38100" dir="2700000" algn="tl">
+                    <a:srgbClr val="000000">
+                      <a:alpha val="43137"/>
+                    </a:srgbClr>
+                  </a:outerShdw>
+                </a:effectLst>
+                <a:latin typeface="微軟正黑體" panose="020B0604030504040204" pitchFamily="34" charset="-120"/>
+                <a:ea typeface="微軟正黑體" panose="020B0604030504040204" pitchFamily="34" charset="-120"/>
+                <a:cs typeface="Heiti TC Light"/>
+              </a:rPr>
+              <a:t>任務均為文字生成</a:t>
+            </a:r>
+            <a:endParaRPr kumimoji="1" lang="en-US" altLang="zh-TW" sz="4800" b="1" dirty="0">
+              <a:solidFill>
+                <a:srgbClr val="00B0F0"/>
+              </a:solidFill>
+              <a:effectLst>
+                <a:outerShdw blurRad="38100" dist="38100" dir="2700000" algn="tl">
+                  <a:srgbClr val="000000">
+                    <a:alpha val="43137"/>
+                  </a:srgbClr>
+                </a:outerShdw>
+              </a:effectLst>
+              <a:latin typeface="微軟正黑體" panose="020B0604030504040204" pitchFamily="34" charset="-120"/>
+              <a:ea typeface="微軟正黑體" panose="020B0604030504040204" pitchFamily="34" charset="-120"/>
+              <a:cs typeface="Heiti TC Light"/>
+            </a:endParaRPr>
+          </a:p>
+        </p:txBody>
+      </p:sp>
+      <p:sp>
+        <p:nvSpPr>
+          <p:cNvPr id="3" name="日期版面配置區 2">
+            <a:extLst>
+              <a:ext uri="{FF2B5EF4-FFF2-40B4-BE49-F238E27FC236}">
+                <a16:creationId xmlns:a16="http://schemas.microsoft.com/office/drawing/2014/main" id="{1C536CB5-3C58-6CF1-767E-952B76F12DEE}"/>
+              </a:ext>
+            </a:extLst>
+          </p:cNvPr>
+          <p:cNvSpPr>
+            <a:spLocks noGrp="1"/>
+          </p:cNvSpPr>
+          <p:nvPr>
+            <p:ph type="dt" sz="half" idx="12"/>
+          </p:nvPr>
+        </p:nvSpPr>
+        <p:spPr/>
+        <p:txBody>
+          <a:bodyPr/>
+          <a:lstStyle/>
+          <a:p>
+            <a:fld id="{0B520B05-2240-4566-BE2A-9338980FE8EB}" type="datetime1">
+              <a:rPr lang="en-US" altLang="zh-TW">
+                <a:solidFill>
+                  <a:srgbClr val="D4D2D0"/>
+                </a:solidFill>
+                <a:latin typeface="Arial" panose="020B0604020202020204" pitchFamily="34" charset="0"/>
+                <a:ea typeface="新細明體" panose="02020500000000000000" pitchFamily="18" charset="-120"/>
+                <a:cs typeface="Arial" panose="020B0604020202020204" pitchFamily="34" charset="0"/>
+              </a:rPr>
+              <a:pPr/>
+              <a:t>5/13/2024</a:t>
+            </a:fld>
+            <a:endParaRPr lang="en-US" dirty="0">
+              <a:solidFill>
+                <a:srgbClr val="D4D2D0"/>
+              </a:solidFill>
+              <a:latin typeface="Arial" panose="020B0604020202020204" pitchFamily="34" charset="0"/>
+              <a:cs typeface="Arial" panose="020B0604020202020204" pitchFamily="34" charset="0"/>
+            </a:endParaRPr>
+          </a:p>
+        </p:txBody>
+      </p:sp>
+      <p:sp>
+        <p:nvSpPr>
+          <p:cNvPr id="7" name="投影片編號版面配置區 6">
+            <a:extLst>
+              <a:ext uri="{FF2B5EF4-FFF2-40B4-BE49-F238E27FC236}">
+                <a16:creationId xmlns:a16="http://schemas.microsoft.com/office/drawing/2014/main" id="{DA316F56-AF12-D872-611F-78AE7ACCBF93}"/>
+              </a:ext>
+            </a:extLst>
+          </p:cNvPr>
+          <p:cNvSpPr>
+            <a:spLocks noGrp="1"/>
+          </p:cNvSpPr>
+          <p:nvPr>
+            <p:ph type="sldNum" sz="quarter" idx="13"/>
+          </p:nvPr>
+        </p:nvSpPr>
+        <p:spPr/>
+        <p:txBody>
+          <a:bodyPr/>
+          <a:lstStyle/>
+          <a:p>
+            <a:fld id="{F99EC173-99AE-4773-AB25-02E469A13EAE}" type="slidenum">
+              <a:rPr lang="en-US">
+                <a:solidFill>
+                  <a:srgbClr val="D4D2D0"/>
+                </a:solidFill>
+                <a:latin typeface="Century Schoolbook"/>
+              </a:rPr>
+              <a:pPr/>
+              <a:t>27</a:t>
             </a:fld>
             <a:endParaRPr lang="en-US" dirty="0">
               <a:solidFill>
@@ -22026,7 +22090,7 @@
 </p:sld>
 </file>
 
-<file path=ppt/slides/slide27.xml><?xml version="1.0" encoding="utf-8"?>
+<file path=ppt/slides/slide28.xml><?xml version="1.0" encoding="utf-8"?>
 <p:sld xmlns:a="http://schemas.openxmlformats.org/drawingml/2006/main" xmlns:r="http://schemas.openxmlformats.org/officeDocument/2006/relationships" xmlns:p="http://schemas.openxmlformats.org/presentationml/2006/main">
   <p:cSld>
     <p:spTree>
@@ -22151,7 +22215,7 @@
                 <a:cs typeface="Arial" panose="020B0604020202020204" pitchFamily="34" charset="0"/>
               </a:rPr>
               <a:pPr/>
-              <a:t>5/6/2024</a:t>
+              <a:t>5/13/2024</a:t>
             </a:fld>
             <a:endParaRPr lang="en-US" dirty="0">
               <a:solidFill>
@@ -22192,7 +22256,7 @@
                 <a:latin typeface="Century Schoolbook"/>
               </a:rPr>
               <a:pPr/>
-              <a:t>27</a:t>
+              <a:t>28</a:t>
             </a:fld>
             <a:endParaRPr lang="en-US" dirty="0">
               <a:solidFill>
@@ -22575,7 +22639,7 @@
 </p:sld>
 </file>
 
-<file path=ppt/slides/slide28.xml><?xml version="1.0" encoding="utf-8"?>
+<file path=ppt/slides/slide29.xml><?xml version="1.0" encoding="utf-8"?>
 <p:sld xmlns:a="http://schemas.openxmlformats.org/drawingml/2006/main" xmlns:r="http://schemas.openxmlformats.org/officeDocument/2006/relationships" xmlns:p="http://schemas.openxmlformats.org/presentationml/2006/main">
   <p:cSld>
     <p:spTree>
@@ -22655,696 +22719,6 @@
 </p:sld>
 </file>
 
-<file path=ppt/slides/slide29.xml><?xml version="1.0" encoding="utf-8"?>
-<p:sld xmlns:a="http://schemas.openxmlformats.org/drawingml/2006/main" xmlns:r="http://schemas.openxmlformats.org/officeDocument/2006/relationships" xmlns:p="http://schemas.openxmlformats.org/presentationml/2006/main">
-  <p:cSld>
-    <p:spTree>
-      <p:nvGrpSpPr>
-        <p:cNvPr id="1" name=""/>
-        <p:cNvGrpSpPr/>
-        <p:nvPr/>
-      </p:nvGrpSpPr>
-      <p:grpSpPr>
-        <a:xfrm>
-          <a:off x="0" y="0"/>
-          <a:ext cx="0" cy="0"/>
-          <a:chOff x="0" y="0"/>
-          <a:chExt cx="0" cy="0"/>
-        </a:xfrm>
-      </p:grpSpPr>
-      <p:sp>
-        <p:nvSpPr>
-          <p:cNvPr id="4" name="文字版面配置區 2"/>
-          <p:cNvSpPr txBox="1">
-            <a:spLocks/>
-          </p:cNvSpPr>
-          <p:nvPr/>
-        </p:nvSpPr>
-        <p:spPr>
-          <a:xfrm>
-            <a:off x="1600200" y="228600"/>
-            <a:ext cx="6096000" cy="990600"/>
-          </a:xfrm>
-          <a:prstGeom prst="rect">
-            <a:avLst/>
-          </a:prstGeom>
-        </p:spPr>
-        <p:txBody>
-          <a:bodyPr tIns="91440" bIns="91440" anchor="b" anchorCtr="0">
-            <a:noAutofit/>
-          </a:bodyPr>
-          <a:lstStyle/>
-          <a:p>
-            <a:r>
-              <a:rPr kumimoji="1" lang="zh-TW" altLang="en-US" sz="4800" b="1" dirty="0">
-                <a:solidFill>
-                  <a:srgbClr val="00B0F0"/>
-                </a:solidFill>
-                <a:effectLst>
-                  <a:outerShdw blurRad="38100" dist="38100" dir="2700000" algn="tl">
-                    <a:srgbClr val="000000">
-                      <a:alpha val="43137"/>
-                    </a:srgbClr>
-                  </a:outerShdw>
-                </a:effectLst>
-                <a:latin typeface="微軟正黑體" panose="020B0604030504040204" pitchFamily="34" charset="-120"/>
-                <a:ea typeface="微軟正黑體" panose="020B0604030504040204" pitchFamily="34" charset="-120"/>
-                <a:cs typeface="Heiti TC Light"/>
-              </a:rPr>
-              <a:t>從</a:t>
-            </a:r>
-            <a:r>
-              <a:rPr kumimoji="1" lang="en-US" altLang="zh-TW" sz="4800" b="1" dirty="0">
-                <a:solidFill>
-                  <a:srgbClr val="00B0F0"/>
-                </a:solidFill>
-                <a:effectLst>
-                  <a:outerShdw blurRad="38100" dist="38100" dir="2700000" algn="tl">
-                    <a:srgbClr val="000000">
-                      <a:alpha val="43137"/>
-                    </a:srgbClr>
-                  </a:outerShdw>
-                </a:effectLst>
-                <a:latin typeface="微軟正黑體" panose="020B0604030504040204" pitchFamily="34" charset="-120"/>
-                <a:ea typeface="微軟正黑體" panose="020B0604030504040204" pitchFamily="34" charset="-120"/>
-                <a:cs typeface="Heiti TC Light"/>
-              </a:rPr>
-              <a:t>T5/BART</a:t>
-            </a:r>
-            <a:r>
-              <a:rPr kumimoji="1" lang="zh-TW" altLang="en-US" sz="4800" b="1" dirty="0">
-                <a:solidFill>
-                  <a:srgbClr val="00B0F0"/>
-                </a:solidFill>
-                <a:effectLst>
-                  <a:outerShdw blurRad="38100" dist="38100" dir="2700000" algn="tl">
-                    <a:srgbClr val="000000">
-                      <a:alpha val="43137"/>
-                    </a:srgbClr>
-                  </a:outerShdw>
-                </a:effectLst>
-                <a:latin typeface="微軟正黑體" panose="020B0604030504040204" pitchFamily="34" charset="-120"/>
-                <a:ea typeface="微軟正黑體" panose="020B0604030504040204" pitchFamily="34" charset="-120"/>
-                <a:cs typeface="Heiti TC Light"/>
-              </a:rPr>
-              <a:t>模型談起</a:t>
-            </a:r>
-            <a:endParaRPr kumimoji="1" lang="en-US" altLang="zh-TW" sz="4800" b="1" dirty="0">
-              <a:solidFill>
-                <a:srgbClr val="00B0F0"/>
-              </a:solidFill>
-              <a:effectLst>
-                <a:outerShdw blurRad="38100" dist="38100" dir="2700000" algn="tl">
-                  <a:srgbClr val="000000">
-                    <a:alpha val="43137"/>
-                  </a:srgbClr>
-                </a:outerShdw>
-              </a:effectLst>
-              <a:latin typeface="微軟正黑體" panose="020B0604030504040204" pitchFamily="34" charset="-120"/>
-              <a:ea typeface="微軟正黑體" panose="020B0604030504040204" pitchFamily="34" charset="-120"/>
-              <a:cs typeface="Heiti TC Light"/>
-            </a:endParaRPr>
-          </a:p>
-        </p:txBody>
-      </p:sp>
-      <p:sp>
-        <p:nvSpPr>
-          <p:cNvPr id="3" name="日期版面配置區 2">
-            <a:extLst>
-              <a:ext uri="{FF2B5EF4-FFF2-40B4-BE49-F238E27FC236}">
-                <a16:creationId xmlns:a16="http://schemas.microsoft.com/office/drawing/2014/main" id="{1C536CB5-3C58-6CF1-767E-952B76F12DEE}"/>
-              </a:ext>
-            </a:extLst>
-          </p:cNvPr>
-          <p:cNvSpPr>
-            <a:spLocks noGrp="1"/>
-          </p:cNvSpPr>
-          <p:nvPr>
-            <p:ph type="dt" sz="half" idx="12"/>
-          </p:nvPr>
-        </p:nvSpPr>
-        <p:spPr/>
-        <p:txBody>
-          <a:bodyPr/>
-          <a:lstStyle/>
-          <a:p>
-            <a:fld id="{0B520B05-2240-4566-BE2A-9338980FE8EB}" type="datetime1">
-              <a:rPr lang="en-US" altLang="zh-TW">
-                <a:solidFill>
-                  <a:srgbClr val="D4D2D0"/>
-                </a:solidFill>
-                <a:latin typeface="Arial" panose="020B0604020202020204" pitchFamily="34" charset="0"/>
-                <a:ea typeface="新細明體" panose="02020500000000000000" pitchFamily="18" charset="-120"/>
-                <a:cs typeface="Arial" panose="020B0604020202020204" pitchFamily="34" charset="0"/>
-              </a:rPr>
-              <a:pPr/>
-              <a:t>5/6/2024</a:t>
-            </a:fld>
-            <a:endParaRPr lang="en-US" dirty="0">
-              <a:solidFill>
-                <a:srgbClr val="D4D2D0"/>
-              </a:solidFill>
-              <a:latin typeface="Arial" panose="020B0604020202020204" pitchFamily="34" charset="0"/>
-              <a:cs typeface="Arial" panose="020B0604020202020204" pitchFamily="34" charset="0"/>
-            </a:endParaRPr>
-          </a:p>
-        </p:txBody>
-      </p:sp>
-      <p:sp>
-        <p:nvSpPr>
-          <p:cNvPr id="7" name="投影片編號版面配置區 6">
-            <a:extLst>
-              <a:ext uri="{FF2B5EF4-FFF2-40B4-BE49-F238E27FC236}">
-                <a16:creationId xmlns:a16="http://schemas.microsoft.com/office/drawing/2014/main" id="{DA316F56-AF12-D872-611F-78AE7ACCBF93}"/>
-              </a:ext>
-            </a:extLst>
-          </p:cNvPr>
-          <p:cNvSpPr>
-            <a:spLocks noGrp="1"/>
-          </p:cNvSpPr>
-          <p:nvPr>
-            <p:ph type="sldNum" sz="quarter" idx="13"/>
-          </p:nvPr>
-        </p:nvSpPr>
-        <p:spPr/>
-        <p:txBody>
-          <a:bodyPr/>
-          <a:lstStyle/>
-          <a:p>
-            <a:fld id="{F99EC173-99AE-4773-AB25-02E469A13EAE}" type="slidenum">
-              <a:rPr lang="en-US">
-                <a:solidFill>
-                  <a:srgbClr val="D4D2D0"/>
-                </a:solidFill>
-                <a:latin typeface="Century Schoolbook"/>
-              </a:rPr>
-              <a:pPr/>
-              <a:t>29</a:t>
-            </a:fld>
-            <a:endParaRPr lang="en-US" dirty="0">
-              <a:solidFill>
-                <a:srgbClr val="D4D2D0"/>
-              </a:solidFill>
-              <a:latin typeface="Century Schoolbook"/>
-            </a:endParaRPr>
-          </a:p>
-        </p:txBody>
-      </p:sp>
-      <p:sp>
-        <p:nvSpPr>
-          <p:cNvPr id="6" name="文字方塊 5">
-            <a:extLst>
-              <a:ext uri="{FF2B5EF4-FFF2-40B4-BE49-F238E27FC236}">
-                <a16:creationId xmlns:a16="http://schemas.microsoft.com/office/drawing/2014/main" id="{D0936716-FD03-817D-536C-23A30E9C2C7C}"/>
-              </a:ext>
-            </a:extLst>
-          </p:cNvPr>
-          <p:cNvSpPr txBox="1"/>
-          <p:nvPr/>
-        </p:nvSpPr>
-        <p:spPr>
-          <a:xfrm>
-            <a:off x="609600" y="1524002"/>
-            <a:ext cx="8229600" cy="4524315"/>
-          </a:xfrm>
-          <a:prstGeom prst="rect">
-            <a:avLst/>
-          </a:prstGeom>
-          <a:noFill/>
-        </p:spPr>
-        <p:txBody>
-          <a:bodyPr wrap="square">
-            <a:spAutoFit/>
-          </a:bodyPr>
-          <a:lstStyle/>
-          <a:p>
-            <a:pPr marL="457200" indent="-457200">
-              <a:buFont typeface="Arial" panose="020B0604020202020204" pitchFamily="34" charset="0"/>
-              <a:buChar char="•"/>
-            </a:pPr>
-            <a:r>
-              <a:rPr lang="zh-TW" altLang="en-US" sz="3200" dirty="0">
-                <a:solidFill>
-                  <a:prstClr val="white"/>
-                </a:solidFill>
-                <a:latin typeface="微軟正黑體" panose="020B0604030504040204" pitchFamily="34" charset="-120"/>
-                <a:ea typeface="微軟正黑體" panose="020B0604030504040204" pitchFamily="34" charset="-120"/>
-              </a:rPr>
-              <a:t>既然是文字，又是萬能的架構，自然要包括</a:t>
-            </a:r>
-            <a:r>
-              <a:rPr lang="en-US" altLang="zh-TW" sz="3200" dirty="0">
-                <a:solidFill>
-                  <a:prstClr val="white"/>
-                </a:solidFill>
-                <a:latin typeface="微軟正黑體" panose="020B0604030504040204" pitchFamily="34" charset="-120"/>
-                <a:ea typeface="微軟正黑體" panose="020B0604030504040204" pitchFamily="34" charset="-120"/>
-              </a:rPr>
-              <a:t>encoder</a:t>
-            </a:r>
-            <a:r>
-              <a:rPr lang="zh-TW" altLang="en-US" sz="3200" dirty="0">
-                <a:solidFill>
-                  <a:prstClr val="white"/>
-                </a:solidFill>
-                <a:latin typeface="微軟正黑體" panose="020B0604030504040204" pitchFamily="34" charset="-120"/>
-                <a:ea typeface="微軟正黑體" panose="020B0604030504040204" pitchFamily="34" charset="-120"/>
-              </a:rPr>
-              <a:t>及</a:t>
-            </a:r>
-            <a:r>
-              <a:rPr lang="en-US" altLang="zh-TW" sz="3200" dirty="0">
-                <a:solidFill>
-                  <a:prstClr val="white"/>
-                </a:solidFill>
-                <a:latin typeface="微軟正黑體" panose="020B0604030504040204" pitchFamily="34" charset="-120"/>
-                <a:ea typeface="微軟正黑體" panose="020B0604030504040204" pitchFamily="34" charset="-120"/>
-              </a:rPr>
-              <a:t>decoder</a:t>
-            </a:r>
-            <a:r>
-              <a:rPr lang="zh-TW" altLang="en-US" sz="3200" dirty="0">
-                <a:solidFill>
-                  <a:prstClr val="white"/>
-                </a:solidFill>
-                <a:latin typeface="微軟正黑體" panose="020B0604030504040204" pitchFamily="34" charset="-120"/>
-                <a:ea typeface="微軟正黑體" panose="020B0604030504040204" pitchFamily="34" charset="-120"/>
-              </a:rPr>
-              <a:t>，就是少見的</a:t>
-            </a:r>
-            <a:r>
-              <a:rPr lang="en-US" altLang="zh-TW" sz="3200" dirty="0">
-                <a:solidFill>
-                  <a:prstClr val="white"/>
-                </a:solidFill>
-                <a:latin typeface="微軟正黑體" panose="020B0604030504040204" pitchFamily="34" charset="-120"/>
-                <a:ea typeface="微軟正黑體" panose="020B0604030504040204" pitchFamily="34" charset="-120"/>
-              </a:rPr>
-              <a:t>s2s</a:t>
-            </a:r>
-          </a:p>
-          <a:p>
-            <a:pPr marL="457200" indent="-457200">
-              <a:buFont typeface="Arial" panose="020B0604020202020204" pitchFamily="34" charset="0"/>
-              <a:buChar char="•"/>
-            </a:pPr>
-            <a:r>
-              <a:rPr lang="zh-TW" altLang="en-US" sz="3200" dirty="0">
-                <a:solidFill>
-                  <a:prstClr val="white"/>
-                </a:solidFill>
-                <a:latin typeface="微軟正黑體" panose="020B0604030504040204" pitchFamily="34" charset="-120"/>
-                <a:ea typeface="微軟正黑體" panose="020B0604030504040204" pitchFamily="34" charset="-120"/>
-              </a:rPr>
-              <a:t>既能做到</a:t>
-            </a:r>
-            <a:r>
-              <a:rPr lang="en-US" altLang="zh-TW" sz="3200" dirty="0">
-                <a:solidFill>
-                  <a:prstClr val="white"/>
-                </a:solidFill>
-                <a:latin typeface="微軟正黑體" panose="020B0604030504040204" pitchFamily="34" charset="-120"/>
-                <a:ea typeface="微軟正黑體" panose="020B0604030504040204" pitchFamily="34" charset="-120"/>
-              </a:rPr>
-              <a:t>NLU</a:t>
-            </a:r>
-            <a:r>
-              <a:rPr lang="zh-TW" altLang="en-US" sz="3200" dirty="0">
-                <a:solidFill>
-                  <a:prstClr val="white"/>
-                </a:solidFill>
-                <a:latin typeface="微軟正黑體" panose="020B0604030504040204" pitchFamily="34" charset="-120"/>
-                <a:ea typeface="微軟正黑體" panose="020B0604030504040204" pitchFamily="34" charset="-120"/>
-              </a:rPr>
-              <a:t>，又能做到</a:t>
-            </a:r>
-            <a:r>
-              <a:rPr lang="en-US" altLang="zh-TW" sz="3200" dirty="0">
-                <a:solidFill>
-                  <a:prstClr val="white"/>
-                </a:solidFill>
-                <a:latin typeface="微軟正黑體" panose="020B0604030504040204" pitchFamily="34" charset="-120"/>
-                <a:ea typeface="微軟正黑體" panose="020B0604030504040204" pitchFamily="34" charset="-120"/>
-              </a:rPr>
-              <a:t>NLG</a:t>
-            </a:r>
-          </a:p>
-          <a:p>
-            <a:pPr marL="457200" indent="-457200">
-              <a:buFont typeface="Arial" panose="020B0604020202020204" pitchFamily="34" charset="0"/>
-              <a:buChar char="•"/>
-            </a:pPr>
-            <a:r>
-              <a:rPr lang="en-US" altLang="zh-TW" sz="3200" dirty="0">
-                <a:solidFill>
-                  <a:prstClr val="white"/>
-                </a:solidFill>
-                <a:latin typeface="微軟正黑體" panose="020B0604030504040204" pitchFamily="34" charset="-120"/>
-                <a:ea typeface="微軟正黑體" panose="020B0604030504040204" pitchFamily="34" charset="-120"/>
-              </a:rPr>
-              <a:t>2019</a:t>
-            </a:r>
-            <a:r>
-              <a:rPr lang="zh-TW" altLang="en-US" sz="3200" dirty="0">
-                <a:solidFill>
-                  <a:prstClr val="white"/>
-                </a:solidFill>
-                <a:latin typeface="微軟正黑體" panose="020B0604030504040204" pitchFamily="34" charset="-120"/>
-                <a:ea typeface="微軟正黑體" panose="020B0604030504040204" pitchFamily="34" charset="-120"/>
-              </a:rPr>
-              <a:t>年提出，立即打敗所有當時</a:t>
-            </a:r>
-            <a:r>
-              <a:rPr lang="en-US" altLang="zh-TW" sz="3200" dirty="0">
-                <a:solidFill>
-                  <a:prstClr val="white"/>
-                </a:solidFill>
-                <a:latin typeface="微軟正黑體" panose="020B0604030504040204" pitchFamily="34" charset="-120"/>
-                <a:ea typeface="微軟正黑體" panose="020B0604030504040204" pitchFamily="34" charset="-120"/>
-              </a:rPr>
-              <a:t>PLM</a:t>
-            </a:r>
-            <a:r>
-              <a:rPr lang="zh-TW" altLang="en-US" sz="3200" dirty="0">
-                <a:solidFill>
-                  <a:prstClr val="white"/>
-                </a:solidFill>
-                <a:latin typeface="微軟正黑體" panose="020B0604030504040204" pitchFamily="34" charset="-120"/>
-                <a:ea typeface="微軟正黑體" panose="020B0604030504040204" pitchFamily="34" charset="-120"/>
-              </a:rPr>
-              <a:t>架構</a:t>
-            </a:r>
-            <a:endParaRPr lang="en-US" altLang="zh-TW" sz="3200" dirty="0">
-              <a:solidFill>
-                <a:prstClr val="white"/>
-              </a:solidFill>
-              <a:latin typeface="微軟正黑體" panose="020B0604030504040204" pitchFamily="34" charset="-120"/>
-              <a:ea typeface="微軟正黑體" panose="020B0604030504040204" pitchFamily="34" charset="-120"/>
-            </a:endParaRPr>
-          </a:p>
-          <a:p>
-            <a:pPr marL="457200" indent="-457200">
-              <a:buFont typeface="Arial" panose="020B0604020202020204" pitchFamily="34" charset="0"/>
-              <a:buChar char="•"/>
-            </a:pPr>
-            <a:r>
-              <a:rPr lang="zh-TW" altLang="en-US" sz="3200" dirty="0">
-                <a:solidFill>
-                  <a:prstClr val="white"/>
-                </a:solidFill>
-                <a:latin typeface="微軟正黑體" panose="020B0604030504040204" pitchFamily="34" charset="-120"/>
-                <a:ea typeface="微軟正黑體" panose="020B0604030504040204" pitchFamily="34" charset="-120"/>
-              </a:rPr>
-              <a:t>比方說二分類，</a:t>
-            </a:r>
-            <a:r>
-              <a:rPr lang="en-US" altLang="zh-TW" sz="3200" dirty="0">
-                <a:solidFill>
-                  <a:prstClr val="white"/>
-                </a:solidFill>
-                <a:latin typeface="微軟正黑體" panose="020B0604030504040204" pitchFamily="34" charset="-120"/>
-                <a:ea typeface="微軟正黑體" panose="020B0604030504040204" pitchFamily="34" charset="-120"/>
-              </a:rPr>
-              <a:t>T5 </a:t>
-            </a:r>
-            <a:r>
-              <a:rPr lang="zh-TW" altLang="en-US" sz="3200" dirty="0">
-                <a:solidFill>
-                  <a:prstClr val="white"/>
-                </a:solidFill>
-                <a:latin typeface="微軟正黑體" panose="020B0604030504040204" pitchFamily="34" charset="-120"/>
-                <a:ea typeface="微軟正黑體" panose="020B0604030504040204" pitchFamily="34" charset="-120"/>
-              </a:rPr>
-              <a:t>甚至會直接產出字串形式的 “</a:t>
-            </a:r>
-            <a:r>
-              <a:rPr lang="en-US" altLang="zh-TW" sz="3200" dirty="0">
-                <a:solidFill>
-                  <a:prstClr val="white"/>
-                </a:solidFill>
-                <a:latin typeface="微軟正黑體" panose="020B0604030504040204" pitchFamily="34" charset="-120"/>
-                <a:ea typeface="微軟正黑體" panose="020B0604030504040204" pitchFamily="34" charset="-120"/>
-              </a:rPr>
-              <a:t>True” </a:t>
-            </a:r>
-            <a:r>
-              <a:rPr lang="zh-TW" altLang="en-US" sz="3200" dirty="0">
-                <a:solidFill>
-                  <a:prstClr val="white"/>
-                </a:solidFill>
-                <a:latin typeface="微軟正黑體" panose="020B0604030504040204" pitchFamily="34" charset="-120"/>
-                <a:ea typeface="微軟正黑體" panose="020B0604030504040204" pitchFamily="34" charset="-120"/>
-              </a:rPr>
-              <a:t>和 “</a:t>
-            </a:r>
-            <a:r>
-              <a:rPr lang="en-US" altLang="zh-TW" sz="3200" dirty="0">
-                <a:solidFill>
-                  <a:prstClr val="white"/>
-                </a:solidFill>
-                <a:latin typeface="微軟正黑體" panose="020B0604030504040204" pitchFamily="34" charset="-120"/>
-                <a:ea typeface="微軟正黑體" panose="020B0604030504040204" pitchFamily="34" charset="-120"/>
-              </a:rPr>
-              <a:t>False“</a:t>
-            </a:r>
-          </a:p>
-          <a:p>
-            <a:pPr marL="457200" indent="-457200">
-              <a:buFont typeface="Arial" panose="020B0604020202020204" pitchFamily="34" charset="0"/>
-              <a:buChar char="•"/>
-            </a:pPr>
-            <a:r>
-              <a:rPr lang="zh-TW" altLang="en-US" sz="3200" dirty="0">
-                <a:solidFill>
-                  <a:prstClr val="white"/>
-                </a:solidFill>
-                <a:latin typeface="微軟正黑體" panose="020B0604030504040204" pitchFamily="34" charset="-120"/>
-                <a:ea typeface="微軟正黑體" panose="020B0604030504040204" pitchFamily="34" charset="-120"/>
-              </a:rPr>
-              <a:t>標識著</a:t>
-            </a:r>
-            <a:r>
-              <a:rPr lang="en-US" altLang="zh-TW" sz="3200" dirty="0">
-                <a:solidFill>
-                  <a:prstClr val="white"/>
-                </a:solidFill>
-                <a:latin typeface="微軟正黑體" panose="020B0604030504040204" pitchFamily="34" charset="-120"/>
-                <a:ea typeface="微軟正黑體" panose="020B0604030504040204" pitchFamily="34" charset="-120"/>
-              </a:rPr>
-              <a:t>PLM</a:t>
-            </a:r>
-            <a:r>
-              <a:rPr lang="zh-TW" altLang="en-US" sz="3200" dirty="0">
-                <a:solidFill>
-                  <a:prstClr val="white"/>
-                </a:solidFill>
-                <a:latin typeface="微軟正黑體" panose="020B0604030504040204" pitchFamily="34" charset="-120"/>
-                <a:ea typeface="微軟正黑體" panose="020B0604030504040204" pitchFamily="34" charset="-120"/>
-              </a:rPr>
-              <a:t>有走向</a:t>
-            </a:r>
-            <a:r>
-              <a:rPr lang="en-US" altLang="zh-TW" sz="3200" dirty="0">
-                <a:solidFill>
-                  <a:prstClr val="white"/>
-                </a:solidFill>
-                <a:latin typeface="微軟正黑體" panose="020B0604030504040204" pitchFamily="34" charset="-120"/>
-                <a:ea typeface="微軟正黑體" panose="020B0604030504040204" pitchFamily="34" charset="-120"/>
-              </a:rPr>
-              <a:t>AGI</a:t>
-            </a:r>
-            <a:r>
-              <a:rPr lang="zh-TW" altLang="en-US" sz="3200" dirty="0">
-                <a:solidFill>
-                  <a:prstClr val="white"/>
-                </a:solidFill>
-                <a:latin typeface="微軟正黑體" panose="020B0604030504040204" pitchFamily="34" charset="-120"/>
-                <a:ea typeface="微軟正黑體" panose="020B0604030504040204" pitchFamily="34" charset="-120"/>
-              </a:rPr>
-              <a:t>的意圖</a:t>
-            </a:r>
-            <a:endParaRPr lang="en-US" altLang="zh-TW" sz="3200" dirty="0">
-              <a:solidFill>
-                <a:prstClr val="white"/>
-              </a:solidFill>
-              <a:latin typeface="微軟正黑體" panose="020B0604030504040204" pitchFamily="34" charset="-120"/>
-              <a:ea typeface="微軟正黑體" panose="020B0604030504040204" pitchFamily="34" charset="-120"/>
-            </a:endParaRPr>
-          </a:p>
-          <a:p>
-            <a:pPr marL="457200" indent="-457200">
-              <a:buFont typeface="Arial" panose="020B0604020202020204" pitchFamily="34" charset="0"/>
-              <a:buChar char="•"/>
-            </a:pPr>
-            <a:r>
-              <a:rPr lang="zh-TW" altLang="en-US" sz="3200" dirty="0">
-                <a:solidFill>
-                  <a:prstClr val="white"/>
-                </a:solidFill>
-                <a:latin typeface="微軟正黑體" panose="020B0604030504040204" pitchFamily="34" charset="-120"/>
-                <a:ea typeface="微軟正黑體" panose="020B0604030504040204" pitchFamily="34" charset="-120"/>
-              </a:rPr>
-              <a:t>其實</a:t>
-            </a:r>
-            <a:r>
-              <a:rPr lang="en-US" altLang="zh-TW" sz="3200" dirty="0">
-                <a:solidFill>
-                  <a:prstClr val="white"/>
-                </a:solidFill>
-                <a:latin typeface="微軟正黑體" panose="020B0604030504040204" pitchFamily="34" charset="-120"/>
-                <a:ea typeface="微軟正黑體" panose="020B0604030504040204" pitchFamily="34" charset="-120"/>
-              </a:rPr>
-              <a:t>2018</a:t>
-            </a:r>
-            <a:r>
-              <a:rPr lang="zh-TW" altLang="en-US" sz="3200" dirty="0">
-                <a:solidFill>
-                  <a:prstClr val="white"/>
-                </a:solidFill>
-                <a:latin typeface="微軟正黑體" panose="020B0604030504040204" pitchFamily="34" charset="-120"/>
-                <a:ea typeface="微軟正黑體" panose="020B0604030504040204" pitchFamily="34" charset="-120"/>
-              </a:rPr>
-              <a:t>年「</a:t>
-            </a:r>
-            <a:r>
-              <a:rPr lang="en-US" altLang="zh-TW" sz="3200" dirty="0">
-                <a:solidFill>
-                  <a:prstClr val="white"/>
-                </a:solidFill>
-                <a:latin typeface="微軟正黑體" panose="020B0604030504040204" pitchFamily="34" charset="-120"/>
-                <a:ea typeface="微軟正黑體" panose="020B0604030504040204" pitchFamily="34" charset="-120"/>
-              </a:rPr>
-              <a:t>NL Decathlon.....</a:t>
-            </a:r>
-            <a:r>
-              <a:rPr lang="zh-TW" altLang="en-US" sz="3200" dirty="0">
-                <a:solidFill>
-                  <a:prstClr val="white"/>
-                </a:solidFill>
-                <a:latin typeface="微軟正黑體" panose="020B0604030504040204" pitchFamily="34" charset="-120"/>
-                <a:ea typeface="微軟正黑體" panose="020B0604030504040204" pitchFamily="34" charset="-120"/>
-              </a:rPr>
-              <a:t>」</a:t>
-            </a:r>
-            <a:endParaRPr lang="en-US" altLang="zh-TW" sz="3200" dirty="0">
-              <a:solidFill>
-                <a:prstClr val="white"/>
-              </a:solidFill>
-              <a:latin typeface="微軟正黑體" panose="020B0604030504040204" pitchFamily="34" charset="-120"/>
-              <a:ea typeface="微軟正黑體" panose="020B0604030504040204" pitchFamily="34" charset="-120"/>
-            </a:endParaRPr>
-          </a:p>
-          <a:p>
-            <a:pPr marL="457200" indent="-457200">
-              <a:buFont typeface="Arial" panose="020B0604020202020204" pitchFamily="34" charset="0"/>
-              <a:buChar char="•"/>
-            </a:pPr>
-            <a:r>
-              <a:rPr lang="en-US" altLang="zh-TW" sz="3200" dirty="0">
-                <a:solidFill>
-                  <a:prstClr val="white"/>
-                </a:solidFill>
-                <a:latin typeface="微軟正黑體" panose="020B0604030504040204" pitchFamily="34" charset="-120"/>
-                <a:ea typeface="微軟正黑體" panose="020B0604030504040204" pitchFamily="34" charset="-120"/>
-              </a:rPr>
-              <a:t>2015</a:t>
-            </a:r>
-            <a:r>
-              <a:rPr lang="zh-TW" altLang="en-US" sz="3200" dirty="0">
-                <a:solidFill>
-                  <a:prstClr val="white"/>
-                </a:solidFill>
-                <a:latin typeface="微軟正黑體" panose="020B0604030504040204" pitchFamily="34" charset="-120"/>
-                <a:ea typeface="微軟正黑體" panose="020B0604030504040204" pitchFamily="34" charset="-120"/>
-              </a:rPr>
-              <a:t>年</a:t>
-            </a:r>
-            <a:endParaRPr lang="en-US" altLang="zh-TW" sz="3200" dirty="0">
-              <a:solidFill>
-                <a:prstClr val="white"/>
-              </a:solidFill>
-              <a:latin typeface="微軟正黑體" panose="020B0604030504040204" pitchFamily="34" charset="-120"/>
-              <a:ea typeface="微軟正黑體" panose="020B0604030504040204" pitchFamily="34" charset="-120"/>
-            </a:endParaRPr>
-          </a:p>
-        </p:txBody>
-      </p:sp>
-      <p:pic>
-        <p:nvPicPr>
-          <p:cNvPr id="5" name="圖片 4">
-            <a:extLst>
-              <a:ext uri="{FF2B5EF4-FFF2-40B4-BE49-F238E27FC236}">
-                <a16:creationId xmlns:a16="http://schemas.microsoft.com/office/drawing/2014/main" id="{E8EA9494-6F12-45D1-2327-45B60010690E}"/>
-              </a:ext>
-            </a:extLst>
-          </p:cNvPr>
-          <p:cNvPicPr>
-            <a:picLocks noChangeAspect="1"/>
-          </p:cNvPicPr>
-          <p:nvPr/>
-        </p:nvPicPr>
-        <p:blipFill>
-          <a:blip r:embed="rId3"/>
-          <a:stretch>
-            <a:fillRect/>
-          </a:stretch>
-        </p:blipFill>
-        <p:spPr>
-          <a:xfrm>
-            <a:off x="3429000" y="4953001"/>
-            <a:ext cx="4419600" cy="510540"/>
-          </a:xfrm>
-          <a:prstGeom prst="rect">
-            <a:avLst/>
-          </a:prstGeom>
-        </p:spPr>
-      </p:pic>
-      <p:pic>
-        <p:nvPicPr>
-          <p:cNvPr id="9" name="圖片 8">
-            <a:extLst>
-              <a:ext uri="{FF2B5EF4-FFF2-40B4-BE49-F238E27FC236}">
-                <a16:creationId xmlns:a16="http://schemas.microsoft.com/office/drawing/2014/main" id="{5FE75205-75EB-354E-DB79-1A5A4CB98A0E}"/>
-              </a:ext>
-            </a:extLst>
-          </p:cNvPr>
-          <p:cNvPicPr>
-            <a:picLocks noChangeAspect="1"/>
-          </p:cNvPicPr>
-          <p:nvPr/>
-        </p:nvPicPr>
-        <p:blipFill>
-          <a:blip r:embed="rId4"/>
-          <a:stretch>
-            <a:fillRect/>
-          </a:stretch>
-        </p:blipFill>
-        <p:spPr>
-          <a:xfrm>
-            <a:off x="747885" y="6012065"/>
-            <a:ext cx="8305800" cy="533979"/>
-          </a:xfrm>
-          <a:prstGeom prst="rect">
-            <a:avLst/>
-          </a:prstGeom>
-        </p:spPr>
-      </p:pic>
-    </p:spTree>
-    <p:extLst>
-      <p:ext uri="{BB962C8B-B14F-4D97-AF65-F5344CB8AC3E}">
-        <p14:creationId xmlns:p14="http://schemas.microsoft.com/office/powerpoint/2010/main" val="3712878961"/>
-      </p:ext>
-    </p:extLst>
-  </p:cSld>
-  <p:clrMapOvr>
-    <a:masterClrMapping/>
-  </p:clrMapOvr>
-  <p:transition>
-    <p:fade/>
-  </p:transition>
-</p:sld>
-</file>
-
 <file path=ppt/slides/slide3.xml><?xml version="1.0" encoding="utf-8"?>
 <p:sld xmlns:a="http://schemas.openxmlformats.org/drawingml/2006/main" xmlns:r="http://schemas.openxmlformats.org/officeDocument/2006/relationships" xmlns:p="http://schemas.openxmlformats.org/presentationml/2006/main">
   <p:cSld>
@@ -23442,7 +22816,7 @@
                 <a:cs typeface="Arial" panose="020B0604020202020204" pitchFamily="34" charset="0"/>
               </a:rPr>
               <a:pPr/>
-              <a:t>5/6/2024</a:t>
+              <a:t>5/13/2024</a:t>
             </a:fld>
             <a:endParaRPr lang="en-US" dirty="0">
               <a:solidFill>
@@ -24232,6 +23606,696 @@
 </p:sld>
 </file>
 
+<file path=ppt/slides/slide30.xml><?xml version="1.0" encoding="utf-8"?>
+<p:sld xmlns:a="http://schemas.openxmlformats.org/drawingml/2006/main" xmlns:r="http://schemas.openxmlformats.org/officeDocument/2006/relationships" xmlns:p="http://schemas.openxmlformats.org/presentationml/2006/main">
+  <p:cSld>
+    <p:spTree>
+      <p:nvGrpSpPr>
+        <p:cNvPr id="1" name=""/>
+        <p:cNvGrpSpPr/>
+        <p:nvPr/>
+      </p:nvGrpSpPr>
+      <p:grpSpPr>
+        <a:xfrm>
+          <a:off x="0" y="0"/>
+          <a:ext cx="0" cy="0"/>
+          <a:chOff x="0" y="0"/>
+          <a:chExt cx="0" cy="0"/>
+        </a:xfrm>
+      </p:grpSpPr>
+      <p:sp>
+        <p:nvSpPr>
+          <p:cNvPr id="4" name="文字版面配置區 2"/>
+          <p:cNvSpPr txBox="1">
+            <a:spLocks/>
+          </p:cNvSpPr>
+          <p:nvPr/>
+        </p:nvSpPr>
+        <p:spPr>
+          <a:xfrm>
+            <a:off x="1600200" y="228600"/>
+            <a:ext cx="6096000" cy="990600"/>
+          </a:xfrm>
+          <a:prstGeom prst="rect">
+            <a:avLst/>
+          </a:prstGeom>
+        </p:spPr>
+        <p:txBody>
+          <a:bodyPr tIns="91440" bIns="91440" anchor="b" anchorCtr="0">
+            <a:noAutofit/>
+          </a:bodyPr>
+          <a:lstStyle/>
+          <a:p>
+            <a:r>
+              <a:rPr kumimoji="1" lang="zh-TW" altLang="en-US" sz="4800" b="1" dirty="0">
+                <a:solidFill>
+                  <a:srgbClr val="00B0F0"/>
+                </a:solidFill>
+                <a:effectLst>
+                  <a:outerShdw blurRad="38100" dist="38100" dir="2700000" algn="tl">
+                    <a:srgbClr val="000000">
+                      <a:alpha val="43137"/>
+                    </a:srgbClr>
+                  </a:outerShdw>
+                </a:effectLst>
+                <a:latin typeface="微軟正黑體" panose="020B0604030504040204" pitchFamily="34" charset="-120"/>
+                <a:ea typeface="微軟正黑體" panose="020B0604030504040204" pitchFamily="34" charset="-120"/>
+                <a:cs typeface="Heiti TC Light"/>
+              </a:rPr>
+              <a:t>從</a:t>
+            </a:r>
+            <a:r>
+              <a:rPr kumimoji="1" lang="en-US" altLang="zh-TW" sz="4800" b="1" dirty="0">
+                <a:solidFill>
+                  <a:srgbClr val="00B0F0"/>
+                </a:solidFill>
+                <a:effectLst>
+                  <a:outerShdw blurRad="38100" dist="38100" dir="2700000" algn="tl">
+                    <a:srgbClr val="000000">
+                      <a:alpha val="43137"/>
+                    </a:srgbClr>
+                  </a:outerShdw>
+                </a:effectLst>
+                <a:latin typeface="微軟正黑體" panose="020B0604030504040204" pitchFamily="34" charset="-120"/>
+                <a:ea typeface="微軟正黑體" panose="020B0604030504040204" pitchFamily="34" charset="-120"/>
+                <a:cs typeface="Heiti TC Light"/>
+              </a:rPr>
+              <a:t>T5/BART</a:t>
+            </a:r>
+            <a:r>
+              <a:rPr kumimoji="1" lang="zh-TW" altLang="en-US" sz="4800" b="1" dirty="0">
+                <a:solidFill>
+                  <a:srgbClr val="00B0F0"/>
+                </a:solidFill>
+                <a:effectLst>
+                  <a:outerShdw blurRad="38100" dist="38100" dir="2700000" algn="tl">
+                    <a:srgbClr val="000000">
+                      <a:alpha val="43137"/>
+                    </a:srgbClr>
+                  </a:outerShdw>
+                </a:effectLst>
+                <a:latin typeface="微軟正黑體" panose="020B0604030504040204" pitchFamily="34" charset="-120"/>
+                <a:ea typeface="微軟正黑體" panose="020B0604030504040204" pitchFamily="34" charset="-120"/>
+                <a:cs typeface="Heiti TC Light"/>
+              </a:rPr>
+              <a:t>模型談起</a:t>
+            </a:r>
+            <a:endParaRPr kumimoji="1" lang="en-US" altLang="zh-TW" sz="4800" b="1" dirty="0">
+              <a:solidFill>
+                <a:srgbClr val="00B0F0"/>
+              </a:solidFill>
+              <a:effectLst>
+                <a:outerShdw blurRad="38100" dist="38100" dir="2700000" algn="tl">
+                  <a:srgbClr val="000000">
+                    <a:alpha val="43137"/>
+                  </a:srgbClr>
+                </a:outerShdw>
+              </a:effectLst>
+              <a:latin typeface="微軟正黑體" panose="020B0604030504040204" pitchFamily="34" charset="-120"/>
+              <a:ea typeface="微軟正黑體" panose="020B0604030504040204" pitchFamily="34" charset="-120"/>
+              <a:cs typeface="Heiti TC Light"/>
+            </a:endParaRPr>
+          </a:p>
+        </p:txBody>
+      </p:sp>
+      <p:sp>
+        <p:nvSpPr>
+          <p:cNvPr id="3" name="日期版面配置區 2">
+            <a:extLst>
+              <a:ext uri="{FF2B5EF4-FFF2-40B4-BE49-F238E27FC236}">
+                <a16:creationId xmlns:a16="http://schemas.microsoft.com/office/drawing/2014/main" id="{1C536CB5-3C58-6CF1-767E-952B76F12DEE}"/>
+              </a:ext>
+            </a:extLst>
+          </p:cNvPr>
+          <p:cNvSpPr>
+            <a:spLocks noGrp="1"/>
+          </p:cNvSpPr>
+          <p:nvPr>
+            <p:ph type="dt" sz="half" idx="12"/>
+          </p:nvPr>
+        </p:nvSpPr>
+        <p:spPr/>
+        <p:txBody>
+          <a:bodyPr/>
+          <a:lstStyle/>
+          <a:p>
+            <a:fld id="{0B520B05-2240-4566-BE2A-9338980FE8EB}" type="datetime1">
+              <a:rPr lang="en-US" altLang="zh-TW">
+                <a:solidFill>
+                  <a:srgbClr val="D4D2D0"/>
+                </a:solidFill>
+                <a:latin typeface="Arial" panose="020B0604020202020204" pitchFamily="34" charset="0"/>
+                <a:ea typeface="新細明體" panose="02020500000000000000" pitchFamily="18" charset="-120"/>
+                <a:cs typeface="Arial" panose="020B0604020202020204" pitchFamily="34" charset="0"/>
+              </a:rPr>
+              <a:pPr/>
+              <a:t>5/13/2024</a:t>
+            </a:fld>
+            <a:endParaRPr lang="en-US" dirty="0">
+              <a:solidFill>
+                <a:srgbClr val="D4D2D0"/>
+              </a:solidFill>
+              <a:latin typeface="Arial" panose="020B0604020202020204" pitchFamily="34" charset="0"/>
+              <a:cs typeface="Arial" panose="020B0604020202020204" pitchFamily="34" charset="0"/>
+            </a:endParaRPr>
+          </a:p>
+        </p:txBody>
+      </p:sp>
+      <p:sp>
+        <p:nvSpPr>
+          <p:cNvPr id="7" name="投影片編號版面配置區 6">
+            <a:extLst>
+              <a:ext uri="{FF2B5EF4-FFF2-40B4-BE49-F238E27FC236}">
+                <a16:creationId xmlns:a16="http://schemas.microsoft.com/office/drawing/2014/main" id="{DA316F56-AF12-D872-611F-78AE7ACCBF93}"/>
+              </a:ext>
+            </a:extLst>
+          </p:cNvPr>
+          <p:cNvSpPr>
+            <a:spLocks noGrp="1"/>
+          </p:cNvSpPr>
+          <p:nvPr>
+            <p:ph type="sldNum" sz="quarter" idx="13"/>
+          </p:nvPr>
+        </p:nvSpPr>
+        <p:spPr/>
+        <p:txBody>
+          <a:bodyPr/>
+          <a:lstStyle/>
+          <a:p>
+            <a:fld id="{F99EC173-99AE-4773-AB25-02E469A13EAE}" type="slidenum">
+              <a:rPr lang="en-US">
+                <a:solidFill>
+                  <a:srgbClr val="D4D2D0"/>
+                </a:solidFill>
+                <a:latin typeface="Century Schoolbook"/>
+              </a:rPr>
+              <a:pPr/>
+              <a:t>30</a:t>
+            </a:fld>
+            <a:endParaRPr lang="en-US" dirty="0">
+              <a:solidFill>
+                <a:srgbClr val="D4D2D0"/>
+              </a:solidFill>
+              <a:latin typeface="Century Schoolbook"/>
+            </a:endParaRPr>
+          </a:p>
+        </p:txBody>
+      </p:sp>
+      <p:sp>
+        <p:nvSpPr>
+          <p:cNvPr id="6" name="文字方塊 5">
+            <a:extLst>
+              <a:ext uri="{FF2B5EF4-FFF2-40B4-BE49-F238E27FC236}">
+                <a16:creationId xmlns:a16="http://schemas.microsoft.com/office/drawing/2014/main" id="{D0936716-FD03-817D-536C-23A30E9C2C7C}"/>
+              </a:ext>
+            </a:extLst>
+          </p:cNvPr>
+          <p:cNvSpPr txBox="1"/>
+          <p:nvPr/>
+        </p:nvSpPr>
+        <p:spPr>
+          <a:xfrm>
+            <a:off x="609600" y="1524002"/>
+            <a:ext cx="8229600" cy="4524315"/>
+          </a:xfrm>
+          <a:prstGeom prst="rect">
+            <a:avLst/>
+          </a:prstGeom>
+          <a:noFill/>
+        </p:spPr>
+        <p:txBody>
+          <a:bodyPr wrap="square">
+            <a:spAutoFit/>
+          </a:bodyPr>
+          <a:lstStyle/>
+          <a:p>
+            <a:pPr marL="457200" indent="-457200">
+              <a:buFont typeface="Arial" panose="020B0604020202020204" pitchFamily="34" charset="0"/>
+              <a:buChar char="•"/>
+            </a:pPr>
+            <a:r>
+              <a:rPr lang="zh-TW" altLang="en-US" sz="3200" dirty="0">
+                <a:solidFill>
+                  <a:prstClr val="white"/>
+                </a:solidFill>
+                <a:latin typeface="微軟正黑體" panose="020B0604030504040204" pitchFamily="34" charset="-120"/>
+                <a:ea typeface="微軟正黑體" panose="020B0604030504040204" pitchFamily="34" charset="-120"/>
+              </a:rPr>
+              <a:t>既然是文字，又是萬能的架構，自然要包括</a:t>
+            </a:r>
+            <a:r>
+              <a:rPr lang="en-US" altLang="zh-TW" sz="3200" dirty="0">
+                <a:solidFill>
+                  <a:prstClr val="white"/>
+                </a:solidFill>
+                <a:latin typeface="微軟正黑體" panose="020B0604030504040204" pitchFamily="34" charset="-120"/>
+                <a:ea typeface="微軟正黑體" panose="020B0604030504040204" pitchFamily="34" charset="-120"/>
+              </a:rPr>
+              <a:t>encoder</a:t>
+            </a:r>
+            <a:r>
+              <a:rPr lang="zh-TW" altLang="en-US" sz="3200" dirty="0">
+                <a:solidFill>
+                  <a:prstClr val="white"/>
+                </a:solidFill>
+                <a:latin typeface="微軟正黑體" panose="020B0604030504040204" pitchFamily="34" charset="-120"/>
+                <a:ea typeface="微軟正黑體" panose="020B0604030504040204" pitchFamily="34" charset="-120"/>
+              </a:rPr>
+              <a:t>及</a:t>
+            </a:r>
+            <a:r>
+              <a:rPr lang="en-US" altLang="zh-TW" sz="3200" dirty="0">
+                <a:solidFill>
+                  <a:prstClr val="white"/>
+                </a:solidFill>
+                <a:latin typeface="微軟正黑體" panose="020B0604030504040204" pitchFamily="34" charset="-120"/>
+                <a:ea typeface="微軟正黑體" panose="020B0604030504040204" pitchFamily="34" charset="-120"/>
+              </a:rPr>
+              <a:t>decoder</a:t>
+            </a:r>
+            <a:r>
+              <a:rPr lang="zh-TW" altLang="en-US" sz="3200" dirty="0">
+                <a:solidFill>
+                  <a:prstClr val="white"/>
+                </a:solidFill>
+                <a:latin typeface="微軟正黑體" panose="020B0604030504040204" pitchFamily="34" charset="-120"/>
+                <a:ea typeface="微軟正黑體" panose="020B0604030504040204" pitchFamily="34" charset="-120"/>
+              </a:rPr>
+              <a:t>，就是少見的</a:t>
+            </a:r>
+            <a:r>
+              <a:rPr lang="en-US" altLang="zh-TW" sz="3200" dirty="0">
+                <a:solidFill>
+                  <a:prstClr val="white"/>
+                </a:solidFill>
+                <a:latin typeface="微軟正黑體" panose="020B0604030504040204" pitchFamily="34" charset="-120"/>
+                <a:ea typeface="微軟正黑體" panose="020B0604030504040204" pitchFamily="34" charset="-120"/>
+              </a:rPr>
+              <a:t>s2s</a:t>
+            </a:r>
+          </a:p>
+          <a:p>
+            <a:pPr marL="457200" indent="-457200">
+              <a:buFont typeface="Arial" panose="020B0604020202020204" pitchFamily="34" charset="0"/>
+              <a:buChar char="•"/>
+            </a:pPr>
+            <a:r>
+              <a:rPr lang="zh-TW" altLang="en-US" sz="3200" dirty="0">
+                <a:solidFill>
+                  <a:prstClr val="white"/>
+                </a:solidFill>
+                <a:latin typeface="微軟正黑體" panose="020B0604030504040204" pitchFamily="34" charset="-120"/>
+                <a:ea typeface="微軟正黑體" panose="020B0604030504040204" pitchFamily="34" charset="-120"/>
+              </a:rPr>
+              <a:t>既能做到</a:t>
+            </a:r>
+            <a:r>
+              <a:rPr lang="en-US" altLang="zh-TW" sz="3200" dirty="0">
+                <a:solidFill>
+                  <a:prstClr val="white"/>
+                </a:solidFill>
+                <a:latin typeface="微軟正黑體" panose="020B0604030504040204" pitchFamily="34" charset="-120"/>
+                <a:ea typeface="微軟正黑體" panose="020B0604030504040204" pitchFamily="34" charset="-120"/>
+              </a:rPr>
+              <a:t>NLU</a:t>
+            </a:r>
+            <a:r>
+              <a:rPr lang="zh-TW" altLang="en-US" sz="3200" dirty="0">
+                <a:solidFill>
+                  <a:prstClr val="white"/>
+                </a:solidFill>
+                <a:latin typeface="微軟正黑體" panose="020B0604030504040204" pitchFamily="34" charset="-120"/>
+                <a:ea typeface="微軟正黑體" panose="020B0604030504040204" pitchFamily="34" charset="-120"/>
+              </a:rPr>
+              <a:t>，又能做到</a:t>
+            </a:r>
+            <a:r>
+              <a:rPr lang="en-US" altLang="zh-TW" sz="3200" dirty="0">
+                <a:solidFill>
+                  <a:prstClr val="white"/>
+                </a:solidFill>
+                <a:latin typeface="微軟正黑體" panose="020B0604030504040204" pitchFamily="34" charset="-120"/>
+                <a:ea typeface="微軟正黑體" panose="020B0604030504040204" pitchFamily="34" charset="-120"/>
+              </a:rPr>
+              <a:t>NLG</a:t>
+            </a:r>
+          </a:p>
+          <a:p>
+            <a:pPr marL="457200" indent="-457200">
+              <a:buFont typeface="Arial" panose="020B0604020202020204" pitchFamily="34" charset="0"/>
+              <a:buChar char="•"/>
+            </a:pPr>
+            <a:r>
+              <a:rPr lang="en-US" altLang="zh-TW" sz="3200" dirty="0">
+                <a:solidFill>
+                  <a:prstClr val="white"/>
+                </a:solidFill>
+                <a:latin typeface="微軟正黑體" panose="020B0604030504040204" pitchFamily="34" charset="-120"/>
+                <a:ea typeface="微軟正黑體" panose="020B0604030504040204" pitchFamily="34" charset="-120"/>
+              </a:rPr>
+              <a:t>2019</a:t>
+            </a:r>
+            <a:r>
+              <a:rPr lang="zh-TW" altLang="en-US" sz="3200" dirty="0">
+                <a:solidFill>
+                  <a:prstClr val="white"/>
+                </a:solidFill>
+                <a:latin typeface="微軟正黑體" panose="020B0604030504040204" pitchFamily="34" charset="-120"/>
+                <a:ea typeface="微軟正黑體" panose="020B0604030504040204" pitchFamily="34" charset="-120"/>
+              </a:rPr>
+              <a:t>年提出，立即打敗所有當時</a:t>
+            </a:r>
+            <a:r>
+              <a:rPr lang="en-US" altLang="zh-TW" sz="3200" dirty="0">
+                <a:solidFill>
+                  <a:prstClr val="white"/>
+                </a:solidFill>
+                <a:latin typeface="微軟正黑體" panose="020B0604030504040204" pitchFamily="34" charset="-120"/>
+                <a:ea typeface="微軟正黑體" panose="020B0604030504040204" pitchFamily="34" charset="-120"/>
+              </a:rPr>
+              <a:t>PLM</a:t>
+            </a:r>
+            <a:r>
+              <a:rPr lang="zh-TW" altLang="en-US" sz="3200" dirty="0">
+                <a:solidFill>
+                  <a:prstClr val="white"/>
+                </a:solidFill>
+                <a:latin typeface="微軟正黑體" panose="020B0604030504040204" pitchFamily="34" charset="-120"/>
+                <a:ea typeface="微軟正黑體" panose="020B0604030504040204" pitchFamily="34" charset="-120"/>
+              </a:rPr>
+              <a:t>架構</a:t>
+            </a:r>
+            <a:endParaRPr lang="en-US" altLang="zh-TW" sz="3200" dirty="0">
+              <a:solidFill>
+                <a:prstClr val="white"/>
+              </a:solidFill>
+              <a:latin typeface="微軟正黑體" panose="020B0604030504040204" pitchFamily="34" charset="-120"/>
+              <a:ea typeface="微軟正黑體" panose="020B0604030504040204" pitchFamily="34" charset="-120"/>
+            </a:endParaRPr>
+          </a:p>
+          <a:p>
+            <a:pPr marL="457200" indent="-457200">
+              <a:buFont typeface="Arial" panose="020B0604020202020204" pitchFamily="34" charset="0"/>
+              <a:buChar char="•"/>
+            </a:pPr>
+            <a:r>
+              <a:rPr lang="zh-TW" altLang="en-US" sz="3200" dirty="0">
+                <a:solidFill>
+                  <a:prstClr val="white"/>
+                </a:solidFill>
+                <a:latin typeface="微軟正黑體" panose="020B0604030504040204" pitchFamily="34" charset="-120"/>
+                <a:ea typeface="微軟正黑體" panose="020B0604030504040204" pitchFamily="34" charset="-120"/>
+              </a:rPr>
+              <a:t>比方說二分類，</a:t>
+            </a:r>
+            <a:r>
+              <a:rPr lang="en-US" altLang="zh-TW" sz="3200" dirty="0">
+                <a:solidFill>
+                  <a:prstClr val="white"/>
+                </a:solidFill>
+                <a:latin typeface="微軟正黑體" panose="020B0604030504040204" pitchFamily="34" charset="-120"/>
+                <a:ea typeface="微軟正黑體" panose="020B0604030504040204" pitchFamily="34" charset="-120"/>
+              </a:rPr>
+              <a:t>T5 </a:t>
+            </a:r>
+            <a:r>
+              <a:rPr lang="zh-TW" altLang="en-US" sz="3200" dirty="0">
+                <a:solidFill>
+                  <a:prstClr val="white"/>
+                </a:solidFill>
+                <a:latin typeface="微軟正黑體" panose="020B0604030504040204" pitchFamily="34" charset="-120"/>
+                <a:ea typeface="微軟正黑體" panose="020B0604030504040204" pitchFamily="34" charset="-120"/>
+              </a:rPr>
+              <a:t>甚至會直接產出字串形式的 “</a:t>
+            </a:r>
+            <a:r>
+              <a:rPr lang="en-US" altLang="zh-TW" sz="3200" dirty="0">
+                <a:solidFill>
+                  <a:prstClr val="white"/>
+                </a:solidFill>
+                <a:latin typeface="微軟正黑體" panose="020B0604030504040204" pitchFamily="34" charset="-120"/>
+                <a:ea typeface="微軟正黑體" panose="020B0604030504040204" pitchFamily="34" charset="-120"/>
+              </a:rPr>
+              <a:t>True” </a:t>
+            </a:r>
+            <a:r>
+              <a:rPr lang="zh-TW" altLang="en-US" sz="3200" dirty="0">
+                <a:solidFill>
+                  <a:prstClr val="white"/>
+                </a:solidFill>
+                <a:latin typeface="微軟正黑體" panose="020B0604030504040204" pitchFamily="34" charset="-120"/>
+                <a:ea typeface="微軟正黑體" panose="020B0604030504040204" pitchFamily="34" charset="-120"/>
+              </a:rPr>
+              <a:t>和 “</a:t>
+            </a:r>
+            <a:r>
+              <a:rPr lang="en-US" altLang="zh-TW" sz="3200" dirty="0">
+                <a:solidFill>
+                  <a:prstClr val="white"/>
+                </a:solidFill>
+                <a:latin typeface="微軟正黑體" panose="020B0604030504040204" pitchFamily="34" charset="-120"/>
+                <a:ea typeface="微軟正黑體" panose="020B0604030504040204" pitchFamily="34" charset="-120"/>
+              </a:rPr>
+              <a:t>False“</a:t>
+            </a:r>
+          </a:p>
+          <a:p>
+            <a:pPr marL="457200" indent="-457200">
+              <a:buFont typeface="Arial" panose="020B0604020202020204" pitchFamily="34" charset="0"/>
+              <a:buChar char="•"/>
+            </a:pPr>
+            <a:r>
+              <a:rPr lang="zh-TW" altLang="en-US" sz="3200" dirty="0">
+                <a:solidFill>
+                  <a:prstClr val="white"/>
+                </a:solidFill>
+                <a:latin typeface="微軟正黑體" panose="020B0604030504040204" pitchFamily="34" charset="-120"/>
+                <a:ea typeface="微軟正黑體" panose="020B0604030504040204" pitchFamily="34" charset="-120"/>
+              </a:rPr>
+              <a:t>標識著</a:t>
+            </a:r>
+            <a:r>
+              <a:rPr lang="en-US" altLang="zh-TW" sz="3200" dirty="0">
+                <a:solidFill>
+                  <a:prstClr val="white"/>
+                </a:solidFill>
+                <a:latin typeface="微軟正黑體" panose="020B0604030504040204" pitchFamily="34" charset="-120"/>
+                <a:ea typeface="微軟正黑體" panose="020B0604030504040204" pitchFamily="34" charset="-120"/>
+              </a:rPr>
+              <a:t>PLM</a:t>
+            </a:r>
+            <a:r>
+              <a:rPr lang="zh-TW" altLang="en-US" sz="3200" dirty="0">
+                <a:solidFill>
+                  <a:prstClr val="white"/>
+                </a:solidFill>
+                <a:latin typeface="微軟正黑體" panose="020B0604030504040204" pitchFamily="34" charset="-120"/>
+                <a:ea typeface="微軟正黑體" panose="020B0604030504040204" pitchFamily="34" charset="-120"/>
+              </a:rPr>
+              <a:t>有走向</a:t>
+            </a:r>
+            <a:r>
+              <a:rPr lang="en-US" altLang="zh-TW" sz="3200" dirty="0">
+                <a:solidFill>
+                  <a:prstClr val="white"/>
+                </a:solidFill>
+                <a:latin typeface="微軟正黑體" panose="020B0604030504040204" pitchFamily="34" charset="-120"/>
+                <a:ea typeface="微軟正黑體" panose="020B0604030504040204" pitchFamily="34" charset="-120"/>
+              </a:rPr>
+              <a:t>AGI</a:t>
+            </a:r>
+            <a:r>
+              <a:rPr lang="zh-TW" altLang="en-US" sz="3200" dirty="0">
+                <a:solidFill>
+                  <a:prstClr val="white"/>
+                </a:solidFill>
+                <a:latin typeface="微軟正黑體" panose="020B0604030504040204" pitchFamily="34" charset="-120"/>
+                <a:ea typeface="微軟正黑體" panose="020B0604030504040204" pitchFamily="34" charset="-120"/>
+              </a:rPr>
+              <a:t>的意圖</a:t>
+            </a:r>
+            <a:endParaRPr lang="en-US" altLang="zh-TW" sz="3200" dirty="0">
+              <a:solidFill>
+                <a:prstClr val="white"/>
+              </a:solidFill>
+              <a:latin typeface="微軟正黑體" panose="020B0604030504040204" pitchFamily="34" charset="-120"/>
+              <a:ea typeface="微軟正黑體" panose="020B0604030504040204" pitchFamily="34" charset="-120"/>
+            </a:endParaRPr>
+          </a:p>
+          <a:p>
+            <a:pPr marL="457200" indent="-457200">
+              <a:buFont typeface="Arial" panose="020B0604020202020204" pitchFamily="34" charset="0"/>
+              <a:buChar char="•"/>
+            </a:pPr>
+            <a:r>
+              <a:rPr lang="zh-TW" altLang="en-US" sz="3200" dirty="0">
+                <a:solidFill>
+                  <a:prstClr val="white"/>
+                </a:solidFill>
+                <a:latin typeface="微軟正黑體" panose="020B0604030504040204" pitchFamily="34" charset="-120"/>
+                <a:ea typeface="微軟正黑體" panose="020B0604030504040204" pitchFamily="34" charset="-120"/>
+              </a:rPr>
+              <a:t>其實</a:t>
+            </a:r>
+            <a:r>
+              <a:rPr lang="en-US" altLang="zh-TW" sz="3200" dirty="0">
+                <a:solidFill>
+                  <a:prstClr val="white"/>
+                </a:solidFill>
+                <a:latin typeface="微軟正黑體" panose="020B0604030504040204" pitchFamily="34" charset="-120"/>
+                <a:ea typeface="微軟正黑體" panose="020B0604030504040204" pitchFamily="34" charset="-120"/>
+              </a:rPr>
+              <a:t>2018</a:t>
+            </a:r>
+            <a:r>
+              <a:rPr lang="zh-TW" altLang="en-US" sz="3200" dirty="0">
+                <a:solidFill>
+                  <a:prstClr val="white"/>
+                </a:solidFill>
+                <a:latin typeface="微軟正黑體" panose="020B0604030504040204" pitchFamily="34" charset="-120"/>
+                <a:ea typeface="微軟正黑體" panose="020B0604030504040204" pitchFamily="34" charset="-120"/>
+              </a:rPr>
+              <a:t>年「</a:t>
+            </a:r>
+            <a:r>
+              <a:rPr lang="en-US" altLang="zh-TW" sz="3200" dirty="0">
+                <a:solidFill>
+                  <a:prstClr val="white"/>
+                </a:solidFill>
+                <a:latin typeface="微軟正黑體" panose="020B0604030504040204" pitchFamily="34" charset="-120"/>
+                <a:ea typeface="微軟正黑體" panose="020B0604030504040204" pitchFamily="34" charset="-120"/>
+              </a:rPr>
+              <a:t>NL Decathlon.....</a:t>
+            </a:r>
+            <a:r>
+              <a:rPr lang="zh-TW" altLang="en-US" sz="3200" dirty="0">
+                <a:solidFill>
+                  <a:prstClr val="white"/>
+                </a:solidFill>
+                <a:latin typeface="微軟正黑體" panose="020B0604030504040204" pitchFamily="34" charset="-120"/>
+                <a:ea typeface="微軟正黑體" panose="020B0604030504040204" pitchFamily="34" charset="-120"/>
+              </a:rPr>
+              <a:t>」</a:t>
+            </a:r>
+            <a:endParaRPr lang="en-US" altLang="zh-TW" sz="3200" dirty="0">
+              <a:solidFill>
+                <a:prstClr val="white"/>
+              </a:solidFill>
+              <a:latin typeface="微軟正黑體" panose="020B0604030504040204" pitchFamily="34" charset="-120"/>
+              <a:ea typeface="微軟正黑體" panose="020B0604030504040204" pitchFamily="34" charset="-120"/>
+            </a:endParaRPr>
+          </a:p>
+          <a:p>
+            <a:pPr marL="457200" indent="-457200">
+              <a:buFont typeface="Arial" panose="020B0604020202020204" pitchFamily="34" charset="0"/>
+              <a:buChar char="•"/>
+            </a:pPr>
+            <a:r>
+              <a:rPr lang="en-US" altLang="zh-TW" sz="3200" dirty="0">
+                <a:solidFill>
+                  <a:prstClr val="white"/>
+                </a:solidFill>
+                <a:latin typeface="微軟正黑體" panose="020B0604030504040204" pitchFamily="34" charset="-120"/>
+                <a:ea typeface="微軟正黑體" panose="020B0604030504040204" pitchFamily="34" charset="-120"/>
+              </a:rPr>
+              <a:t>2015</a:t>
+            </a:r>
+            <a:r>
+              <a:rPr lang="zh-TW" altLang="en-US" sz="3200" dirty="0">
+                <a:solidFill>
+                  <a:prstClr val="white"/>
+                </a:solidFill>
+                <a:latin typeface="微軟正黑體" panose="020B0604030504040204" pitchFamily="34" charset="-120"/>
+                <a:ea typeface="微軟正黑體" panose="020B0604030504040204" pitchFamily="34" charset="-120"/>
+              </a:rPr>
+              <a:t>年</a:t>
+            </a:r>
+            <a:endParaRPr lang="en-US" altLang="zh-TW" sz="3200" dirty="0">
+              <a:solidFill>
+                <a:prstClr val="white"/>
+              </a:solidFill>
+              <a:latin typeface="微軟正黑體" panose="020B0604030504040204" pitchFamily="34" charset="-120"/>
+              <a:ea typeface="微軟正黑體" panose="020B0604030504040204" pitchFamily="34" charset="-120"/>
+            </a:endParaRPr>
+          </a:p>
+        </p:txBody>
+      </p:sp>
+      <p:pic>
+        <p:nvPicPr>
+          <p:cNvPr id="5" name="圖片 4">
+            <a:extLst>
+              <a:ext uri="{FF2B5EF4-FFF2-40B4-BE49-F238E27FC236}">
+                <a16:creationId xmlns:a16="http://schemas.microsoft.com/office/drawing/2014/main" id="{E8EA9494-6F12-45D1-2327-45B60010690E}"/>
+              </a:ext>
+            </a:extLst>
+          </p:cNvPr>
+          <p:cNvPicPr>
+            <a:picLocks noChangeAspect="1"/>
+          </p:cNvPicPr>
+          <p:nvPr/>
+        </p:nvPicPr>
+        <p:blipFill>
+          <a:blip r:embed="rId3"/>
+          <a:stretch>
+            <a:fillRect/>
+          </a:stretch>
+        </p:blipFill>
+        <p:spPr>
+          <a:xfrm>
+            <a:off x="3429000" y="4953001"/>
+            <a:ext cx="4419600" cy="510540"/>
+          </a:xfrm>
+          <a:prstGeom prst="rect">
+            <a:avLst/>
+          </a:prstGeom>
+        </p:spPr>
+      </p:pic>
+      <p:pic>
+        <p:nvPicPr>
+          <p:cNvPr id="9" name="圖片 8">
+            <a:extLst>
+              <a:ext uri="{FF2B5EF4-FFF2-40B4-BE49-F238E27FC236}">
+                <a16:creationId xmlns:a16="http://schemas.microsoft.com/office/drawing/2014/main" id="{5FE75205-75EB-354E-DB79-1A5A4CB98A0E}"/>
+              </a:ext>
+            </a:extLst>
+          </p:cNvPr>
+          <p:cNvPicPr>
+            <a:picLocks noChangeAspect="1"/>
+          </p:cNvPicPr>
+          <p:nvPr/>
+        </p:nvPicPr>
+        <p:blipFill>
+          <a:blip r:embed="rId4"/>
+          <a:stretch>
+            <a:fillRect/>
+          </a:stretch>
+        </p:blipFill>
+        <p:spPr>
+          <a:xfrm>
+            <a:off x="747885" y="6012065"/>
+            <a:ext cx="8305800" cy="533979"/>
+          </a:xfrm>
+          <a:prstGeom prst="rect">
+            <a:avLst/>
+          </a:prstGeom>
+        </p:spPr>
+      </p:pic>
+    </p:spTree>
+    <p:extLst>
+      <p:ext uri="{BB962C8B-B14F-4D97-AF65-F5344CB8AC3E}">
+        <p14:creationId xmlns:p14="http://schemas.microsoft.com/office/powerpoint/2010/main" val="3712878961"/>
+      </p:ext>
+    </p:extLst>
+  </p:cSld>
+  <p:clrMapOvr>
+    <a:masterClrMapping/>
+  </p:clrMapOvr>
+  <p:transition>
+    <p:fade/>
+  </p:transition>
+</p:sld>
+</file>
+
 <file path=ppt/slides/slide4.xml><?xml version="1.0" encoding="utf-8"?>
 <p:sld xmlns:a="http://schemas.openxmlformats.org/drawingml/2006/main" xmlns:r="http://schemas.openxmlformats.org/officeDocument/2006/relationships" xmlns:p="http://schemas.openxmlformats.org/presentationml/2006/main">
   <p:cSld>
@@ -24329,7 +24393,7 @@
                 <a:cs typeface="Arial" panose="020B0604020202020204" pitchFamily="34" charset="0"/>
               </a:rPr>
               <a:pPr/>
-              <a:t>5/6/2024</a:t>
+              <a:t>5/13/2024</a:t>
             </a:fld>
             <a:endParaRPr lang="en-US" dirty="0">
               <a:solidFill>
@@ -25037,7 +25101,7 @@
                 <a:cs typeface="Arial" panose="020B0604020202020204" pitchFamily="34" charset="0"/>
               </a:rPr>
               <a:pPr/>
-              <a:t>5/6/2024</a:t>
+              <a:t>5/13/2024</a:t>
             </a:fld>
             <a:endParaRPr lang="en-US" dirty="0">
               <a:solidFill>
@@ -25622,7 +25686,7 @@
                 <a:cs typeface="Arial" panose="020B0604020202020204" pitchFamily="34" charset="0"/>
               </a:rPr>
               <a:pPr/>
-              <a:t>5/6/2024</a:t>
+              <a:t>5/13/2024</a:t>
             </a:fld>
             <a:endParaRPr lang="en-US" dirty="0">
               <a:solidFill>
@@ -26207,7 +26271,7 @@
                 <a:cs typeface="Arial" panose="020B0604020202020204" pitchFamily="34" charset="0"/>
               </a:rPr>
               <a:pPr/>
-              <a:t>5/6/2024</a:t>
+              <a:t>5/13/2024</a:t>
             </a:fld>
             <a:endParaRPr lang="en-US" dirty="0">
               <a:solidFill>
@@ -26792,7 +26856,7 @@
                 <a:cs typeface="Arial" panose="020B0604020202020204" pitchFamily="34" charset="0"/>
               </a:rPr>
               <a:pPr/>
-              <a:t>5/6/2024</a:t>
+              <a:t>5/13/2024</a:t>
             </a:fld>
             <a:endParaRPr lang="en-US" dirty="0">
               <a:solidFill>
@@ -27485,7 +27549,7 @@
                 <a:cs typeface="Arial" panose="020B0604020202020204" pitchFamily="34" charset="0"/>
               </a:rPr>
               <a:pPr/>
-              <a:t>5/6/2024</a:t>
+              <a:t>5/13/2024</a:t>
             </a:fld>
             <a:endParaRPr lang="en-US" dirty="0">
               <a:solidFill>
